--- a/doc/云平台部-吕利利转正答辩.pptx
+++ b/doc/云平台部-吕利利转正答辩.pptx
@@ -16,12 +16,12 @@
     <p:sldId id="278" r:id="rId7"/>
     <p:sldId id="287" r:id="rId8"/>
     <p:sldId id="288" r:id="rId9"/>
-    <p:sldId id="290" r:id="rId10"/>
-    <p:sldId id="277" r:id="rId11"/>
-    <p:sldId id="289" r:id="rId12"/>
-    <p:sldId id="291" r:id="rId13"/>
-    <p:sldId id="282" r:id="rId14"/>
-    <p:sldId id="276" r:id="rId15"/>
+    <p:sldId id="276" r:id="rId10"/>
+    <p:sldId id="290" r:id="rId11"/>
+    <p:sldId id="277" r:id="rId12"/>
+    <p:sldId id="289" r:id="rId13"/>
+    <p:sldId id="291" r:id="rId14"/>
+    <p:sldId id="282" r:id="rId15"/>
     <p:sldId id="283" r:id="rId16"/>
     <p:sldId id="267" r:id="rId17"/>
     <p:sldId id="279" r:id="rId18"/>
@@ -7611,23 +7611,33 @@
           <a:p>
             <a:r>
               <a:rPr lang="en-US" altLang="zh-CN" dirty="0"/>
-              <a:t>1.</a:t>
+              <a:t>Situation</a:t>
             </a:r>
             <a:r>
               <a:rPr lang="zh-CN" altLang="en-US" dirty="0"/>
-              <a:t>配置成本与上手成本的降低</a:t>
-            </a:r>
-            <a:endParaRPr lang="en-US" altLang="zh-CN" dirty="0"/>
-          </a:p>
-          <a:p>
+              <a:t>、</a:t>
+            </a:r>
             <a:r>
               <a:rPr lang="en-US" altLang="zh-CN" dirty="0"/>
-              <a:t>2.</a:t>
+              <a:t>Task</a:t>
             </a:r>
             <a:r>
               <a:rPr lang="zh-CN" altLang="en-US" dirty="0"/>
-              <a:t>跨服务、跨流水线相关任务配置</a:t>
-            </a:r>
+              <a:t>、</a:t>
+            </a:r>
+            <a:r>
+              <a:rPr lang="en-US" altLang="zh-CN" dirty="0"/>
+              <a:t>Action</a:t>
+            </a:r>
+            <a:r>
+              <a:rPr lang="zh-CN" altLang="en-US" dirty="0"/>
+              <a:t>、</a:t>
+            </a:r>
+            <a:r>
+              <a:rPr lang="en-US" altLang="zh-CN" dirty="0"/>
+              <a:t>Result</a:t>
+            </a:r>
+            <a:endParaRPr lang="zh-CN" altLang="en-US" dirty="0"/>
           </a:p>
         </p:txBody>
       </p:sp>
@@ -7657,7 +7667,7 @@
     </p:spTree>
     <p:extLst>
       <p:ext uri="{BB962C8B-B14F-4D97-AF65-F5344CB8AC3E}">
-        <p14:creationId xmlns:p14="http://schemas.microsoft.com/office/powerpoint/2010/main" val="568840130"/>
+        <p14:creationId xmlns:p14="http://schemas.microsoft.com/office/powerpoint/2010/main" val="3680592528"/>
       </p:ext>
     </p:extLst>
   </p:cSld>
@@ -7759,7 +7769,7 @@
     </p:spTree>
     <p:extLst>
       <p:ext uri="{BB962C8B-B14F-4D97-AF65-F5344CB8AC3E}">
-        <p14:creationId xmlns:p14="http://schemas.microsoft.com/office/powerpoint/2010/main" val="2606373292"/>
+        <p14:creationId xmlns:p14="http://schemas.microsoft.com/office/powerpoint/2010/main" val="568840130"/>
       </p:ext>
     </p:extLst>
   </p:cSld>
@@ -7861,7 +7871,7 @@
     </p:spTree>
     <p:extLst>
       <p:ext uri="{BB962C8B-B14F-4D97-AF65-F5344CB8AC3E}">
-        <p14:creationId xmlns:p14="http://schemas.microsoft.com/office/powerpoint/2010/main" val="1530544073"/>
+        <p14:creationId xmlns:p14="http://schemas.microsoft.com/office/powerpoint/2010/main" val="2606373292"/>
       </p:ext>
     </p:extLst>
   </p:cSld>
@@ -7963,7 +7973,7 @@
     </p:spTree>
     <p:extLst>
       <p:ext uri="{BB962C8B-B14F-4D97-AF65-F5344CB8AC3E}">
-        <p14:creationId xmlns:p14="http://schemas.microsoft.com/office/powerpoint/2010/main" val="2767503815"/>
+        <p14:creationId xmlns:p14="http://schemas.microsoft.com/office/powerpoint/2010/main" val="1530544073"/>
       </p:ext>
     </p:extLst>
   </p:cSld>
@@ -8065,7 +8075,7 @@
     </p:spTree>
     <p:extLst>
       <p:ext uri="{BB962C8B-B14F-4D97-AF65-F5344CB8AC3E}">
-        <p14:creationId xmlns:p14="http://schemas.microsoft.com/office/powerpoint/2010/main" val="3873233638"/>
+        <p14:creationId xmlns:p14="http://schemas.microsoft.com/office/powerpoint/2010/main" val="2767503815"/>
       </p:ext>
     </p:extLst>
   </p:cSld>
@@ -8121,33 +8131,23 @@
           <a:p>
             <a:r>
               <a:rPr lang="en-US" altLang="zh-CN" dirty="0"/>
-              <a:t>Situation</a:t>
+              <a:t>1.</a:t>
             </a:r>
             <a:r>
               <a:rPr lang="zh-CN" altLang="en-US" dirty="0"/>
-              <a:t>、</a:t>
-            </a:r>
+              <a:t>配置成本与上手成本的降低</a:t>
+            </a:r>
+            <a:endParaRPr lang="en-US" altLang="zh-CN" dirty="0"/>
+          </a:p>
+          <a:p>
             <a:r>
               <a:rPr lang="en-US" altLang="zh-CN" dirty="0"/>
-              <a:t>Task</a:t>
+              <a:t>2.</a:t>
             </a:r>
             <a:r>
               <a:rPr lang="zh-CN" altLang="en-US" dirty="0"/>
-              <a:t>、</a:t>
-            </a:r>
-            <a:r>
-              <a:rPr lang="en-US" altLang="zh-CN" dirty="0"/>
-              <a:t>Action</a:t>
-            </a:r>
-            <a:r>
-              <a:rPr lang="zh-CN" altLang="en-US" dirty="0"/>
-              <a:t>、</a:t>
-            </a:r>
-            <a:r>
-              <a:rPr lang="en-US" altLang="zh-CN" dirty="0"/>
-              <a:t>Result</a:t>
-            </a:r>
-            <a:endParaRPr lang="zh-CN" altLang="en-US" dirty="0"/>
+              <a:t>跨服务、跨流水线相关任务配置</a:t>
+            </a:r>
           </a:p>
         </p:txBody>
       </p:sp>
@@ -8177,7 +8177,7 @@
     </p:spTree>
     <p:extLst>
       <p:ext uri="{BB962C8B-B14F-4D97-AF65-F5344CB8AC3E}">
-        <p14:creationId xmlns:p14="http://schemas.microsoft.com/office/powerpoint/2010/main" val="3680592528"/>
+        <p14:creationId xmlns:p14="http://schemas.microsoft.com/office/powerpoint/2010/main" val="3873233638"/>
       </p:ext>
     </p:extLst>
   </p:cSld>
@@ -11841,6 +11841,277 @@
       </p:sp>
       <p:sp>
         <p:nvSpPr>
+          <p:cNvPr id="5" name="文本框 4">
+            <a:extLst>
+              <a:ext uri="{FF2B5EF4-FFF2-40B4-BE49-F238E27FC236}">
+                <a16:creationId xmlns:a16="http://schemas.microsoft.com/office/drawing/2014/main" id="{FFC3CFA4-6BBA-4E85-B74A-8BA81FE89C58}"/>
+              </a:ext>
+            </a:extLst>
+          </p:cNvPr>
+          <p:cNvSpPr txBox="1"/>
+          <p:nvPr/>
+        </p:nvSpPr>
+        <p:spPr>
+          <a:xfrm>
+            <a:off x="816076" y="1278896"/>
+            <a:ext cx="10369118" cy="1291379"/>
+          </a:xfrm>
+          <a:prstGeom prst="rect">
+            <a:avLst/>
+          </a:prstGeom>
+          <a:noFill/>
+        </p:spPr>
+        <p:txBody>
+          <a:bodyPr wrap="square" rtlCol="0">
+            <a:spAutoFit/>
+          </a:bodyPr>
+          <a:lstStyle/>
+          <a:p>
+            <a:pPr marL="342900" indent="-342900">
+              <a:lnSpc>
+                <a:spcPct val="150000"/>
+              </a:lnSpc>
+              <a:buAutoNum type="arabicPeriod"/>
+            </a:pPr>
+            <a:r>
+              <a:rPr lang="zh-CN" altLang="en-US" dirty="0"/>
+              <a:t>熟悉</a:t>
+            </a:r>
+            <a:r>
+              <a:rPr lang="en-US" altLang="zh-CN" dirty="0"/>
+              <a:t>CICD</a:t>
+            </a:r>
+            <a:r>
+              <a:rPr lang="zh-CN" altLang="en-US" dirty="0"/>
+              <a:t>产品，了解相关业务与流程</a:t>
+            </a:r>
+            <a:endParaRPr lang="en-US" altLang="zh-CN" dirty="0"/>
+          </a:p>
+          <a:p>
+            <a:pPr marL="342900" indent="-342900">
+              <a:lnSpc>
+                <a:spcPct val="150000"/>
+              </a:lnSpc>
+              <a:buAutoNum type="arabicPeriod"/>
+            </a:pPr>
+            <a:r>
+              <a:rPr lang="zh-CN" altLang="en-US" dirty="0"/>
+              <a:t>完成</a:t>
+            </a:r>
+            <a:r>
+              <a:rPr lang="en-US" altLang="zh-CN" dirty="0"/>
+              <a:t>CICD</a:t>
+            </a:r>
+            <a:r>
+              <a:rPr lang="zh-CN" altLang="en-US" dirty="0"/>
+              <a:t>新版流水线“模板管理”和“任务组管理”的开发，并完成上线。跟踪相关迭代优化</a:t>
+            </a:r>
+            <a:endParaRPr lang="en-US" altLang="zh-CN" dirty="0"/>
+          </a:p>
+          <a:p>
+            <a:pPr marL="342900" indent="-342900">
+              <a:lnSpc>
+                <a:spcPct val="150000"/>
+              </a:lnSpc>
+              <a:buAutoNum type="arabicPeriod"/>
+            </a:pPr>
+            <a:r>
+              <a:rPr lang="zh-CN" altLang="en-US" dirty="0"/>
+              <a:t>协助完成其它相关项目（</a:t>
+            </a:r>
+            <a:r>
+              <a:rPr lang="en-US" altLang="zh-CN" dirty="0"/>
+              <a:t>CMDB</a:t>
+            </a:r>
+            <a:r>
+              <a:rPr lang="zh-CN" altLang="en-US" dirty="0"/>
+              <a:t>等）的开发工作，总结成果，跟踪上线功能迭代优化</a:t>
+            </a:r>
+          </a:p>
+        </p:txBody>
+      </p:sp>
+      <p:graphicFrame>
+        <p:nvGraphicFramePr>
+          <p:cNvPr id="12" name="图示 11">
+            <a:extLst>
+              <a:ext uri="{FF2B5EF4-FFF2-40B4-BE49-F238E27FC236}">
+                <a16:creationId xmlns:a16="http://schemas.microsoft.com/office/drawing/2014/main" id="{15F969C3-FF76-464D-A6EA-2CEE67A46287}"/>
+              </a:ext>
+            </a:extLst>
+          </p:cNvPr>
+          <p:cNvGraphicFramePr/>
+          <p:nvPr>
+            <p:extLst>
+              <p:ext uri="{D42A27DB-BD31-4B8C-83A1-F6EECF244321}">
+                <p14:modId xmlns:p14="http://schemas.microsoft.com/office/powerpoint/2010/main" val="16046126"/>
+              </p:ext>
+            </p:extLst>
+          </p:nvPr>
+        </p:nvGraphicFramePr>
+        <p:xfrm>
+          <a:off x="6741994" y="2994503"/>
+          <a:ext cx="4909352" cy="3416916"/>
+        </p:xfrm>
+        <a:graphic>
+          <a:graphicData uri="http://schemas.openxmlformats.org/drawingml/2006/diagram">
+            <dgm:relIds xmlns:dgm="http://schemas.openxmlformats.org/drawingml/2006/diagram" xmlns:r="http://schemas.openxmlformats.org/officeDocument/2006/relationships" r:dm="rId5" r:lo="rId6" r:qs="rId7" r:cs="rId8"/>
+          </a:graphicData>
+        </a:graphic>
+      </p:graphicFrame>
+    </p:spTree>
+    <p:extLst>
+      <p:ext uri="{BB962C8B-B14F-4D97-AF65-F5344CB8AC3E}">
+        <p14:creationId xmlns:p14="http://schemas.microsoft.com/office/powerpoint/2010/main" val="377178911"/>
+      </p:ext>
+    </p:extLst>
+  </p:cSld>
+  <p:clrMapOvr>
+    <a:masterClrMapping/>
+  </p:clrMapOvr>
+</p:sld>
+</file>
+
+<file path=ppt/slides/slide11.xml><?xml version="1.0" encoding="utf-8"?>
+<p:sld xmlns:a="http://schemas.openxmlformats.org/drawingml/2006/main" xmlns:r="http://schemas.openxmlformats.org/officeDocument/2006/relationships" xmlns:p="http://schemas.openxmlformats.org/presentationml/2006/main">
+  <p:cSld>
+    <p:spTree>
+      <p:nvGrpSpPr>
+        <p:cNvPr id="1" name=""/>
+        <p:cNvGrpSpPr/>
+        <p:nvPr/>
+      </p:nvGrpSpPr>
+      <p:grpSpPr>
+        <a:xfrm>
+          <a:off x="0" y="0"/>
+          <a:ext cx="0" cy="0"/>
+          <a:chOff x="0" y="0"/>
+          <a:chExt cx="0" cy="0"/>
+        </a:xfrm>
+      </p:grpSpPr>
+      <p:pic>
+        <p:nvPicPr>
+          <p:cNvPr id="6" name="图片 5"/>
+          <p:cNvPicPr>
+            <a:picLocks noChangeAspect="1"/>
+          </p:cNvPicPr>
+          <p:nvPr/>
+        </p:nvPicPr>
+        <p:blipFill>
+          <a:blip r:embed="rId3"/>
+          <a:stretch>
+            <a:fillRect/>
+          </a:stretch>
+        </p:blipFill>
+        <p:spPr>
+          <a:xfrm>
+            <a:off x="816076" y="299538"/>
+            <a:ext cx="1415848" cy="373378"/>
+          </a:xfrm>
+          <a:prstGeom prst="rect">
+            <a:avLst/>
+          </a:prstGeom>
+        </p:spPr>
+      </p:pic>
+      <p:pic>
+        <p:nvPicPr>
+          <p:cNvPr id="15" name="图片 14"/>
+          <p:cNvPicPr>
+            <a:picLocks noChangeAspect="1"/>
+          </p:cNvPicPr>
+          <p:nvPr/>
+        </p:nvPicPr>
+        <p:blipFill>
+          <a:blip r:embed="rId4"/>
+          <a:stretch>
+            <a:fillRect/>
+          </a:stretch>
+        </p:blipFill>
+        <p:spPr>
+          <a:xfrm>
+            <a:off x="0" y="-2842"/>
+            <a:ext cx="12192000" cy="979358"/>
+          </a:xfrm>
+          <a:prstGeom prst="rect">
+            <a:avLst/>
+          </a:prstGeom>
+        </p:spPr>
+      </p:pic>
+      <p:pic>
+        <p:nvPicPr>
+          <p:cNvPr id="16" name="图片 15"/>
+          <p:cNvPicPr>
+            <a:picLocks noChangeAspect="1"/>
+          </p:cNvPicPr>
+          <p:nvPr/>
+        </p:nvPicPr>
+        <p:blipFill>
+          <a:blip r:embed="rId3"/>
+          <a:stretch>
+            <a:fillRect/>
+          </a:stretch>
+        </p:blipFill>
+        <p:spPr>
+          <a:xfrm>
+            <a:off x="10235498" y="300148"/>
+            <a:ext cx="1415848" cy="373378"/>
+          </a:xfrm>
+          <a:prstGeom prst="rect">
+            <a:avLst/>
+          </a:prstGeom>
+        </p:spPr>
+      </p:pic>
+      <p:sp>
+        <p:nvSpPr>
+          <p:cNvPr id="17" name="标题 5"/>
+          <p:cNvSpPr txBox="1">
+            <a:spLocks/>
+          </p:cNvSpPr>
+          <p:nvPr/>
+        </p:nvSpPr>
+        <p:spPr>
+          <a:xfrm>
+            <a:off x="561861" y="349776"/>
+            <a:ext cx="6063523" cy="625520"/>
+          </a:xfrm>
+          <a:prstGeom prst="rect">
+            <a:avLst/>
+          </a:prstGeom>
+        </p:spPr>
+        <p:txBody>
+          <a:bodyPr/>
+          <a:lstStyle>
+            <a:lvl1pPr algn="ctr" defTabSz="1279920" rtl="0" eaLnBrk="1" latinLnBrk="0" hangingPunct="1">
+              <a:spcBef>
+                <a:spcPct val="0"/>
+              </a:spcBef>
+              <a:buNone/>
+              <a:defRPr sz="6100" kern="1200">
+                <a:solidFill>
+                  <a:schemeClr val="tx1"/>
+                </a:solidFill>
+                <a:latin typeface="+mj-lt"/>
+                <a:ea typeface="+mj-ea"/>
+                <a:cs typeface="+mj-cs"/>
+              </a:defRPr>
+            </a:lvl1pPr>
+          </a:lstStyle>
+          <a:p>
+            <a:pPr algn="l"/>
+            <a:r>
+              <a:rPr lang="zh-CN" altLang="en-US" sz="2400" dirty="0">
+                <a:solidFill>
+                  <a:schemeClr val="bg1"/>
+                </a:solidFill>
+                <a:latin typeface="vivo type CN简 Regular" panose="02000500000000000000" pitchFamily="50" charset="-122"/>
+                <a:ea typeface="vivo type CN简 Regular" panose="02000500000000000000" pitchFamily="50" charset="-122"/>
+              </a:rPr>
+              <a:t>二、试用期工作目标及达成情况总结</a:t>
+            </a:r>
+          </a:p>
+        </p:txBody>
+      </p:sp>
+      <p:sp>
+        <p:nvSpPr>
           <p:cNvPr id="7" name="文本框 6">
             <a:extLst>
               <a:ext uri="{FF2B5EF4-FFF2-40B4-BE49-F238E27FC236}">
@@ -12306,7 +12577,7 @@
 </p:sld>
 </file>
 
-<file path=ppt/slides/slide11.xml><?xml version="1.0" encoding="utf-8"?>
+<file path=ppt/slides/slide12.xml><?xml version="1.0" encoding="utf-8"?>
 <p:sld xmlns:a="http://schemas.openxmlformats.org/drawingml/2006/main" xmlns:r="http://schemas.openxmlformats.org/officeDocument/2006/relationships" xmlns:p="http://schemas.openxmlformats.org/presentationml/2006/main">
   <p:cSld>
     <p:spTree>
@@ -14789,7 +15060,7 @@
 </p:sld>
 </file>
 
-<file path=ppt/slides/slide12.xml><?xml version="1.0" encoding="utf-8"?>
+<file path=ppt/slides/slide13.xml><?xml version="1.0" encoding="utf-8"?>
 <p:sld xmlns:a="http://schemas.openxmlformats.org/drawingml/2006/main" xmlns:r="http://schemas.openxmlformats.org/officeDocument/2006/relationships" xmlns:p="http://schemas.openxmlformats.org/presentationml/2006/main">
   <p:cSld>
     <p:spTree>
@@ -17518,7 +17789,7 @@
 </p:sld>
 </file>
 
-<file path=ppt/slides/slide13.xml><?xml version="1.0" encoding="utf-8"?>
+<file path=ppt/slides/slide14.xml><?xml version="1.0" encoding="utf-8"?>
 <p:sld xmlns:a="http://schemas.openxmlformats.org/drawingml/2006/main" xmlns:r="http://schemas.openxmlformats.org/officeDocument/2006/relationships" xmlns:p="http://schemas.openxmlformats.org/presentationml/2006/main">
   <p:cSld>
     <p:spTree>
@@ -18786,355 +19057,6 @@
 </p:sld>
 </file>
 
-<file path=ppt/slides/slide14.xml><?xml version="1.0" encoding="utf-8"?>
-<p:sld xmlns:a="http://schemas.openxmlformats.org/drawingml/2006/main" xmlns:r="http://schemas.openxmlformats.org/officeDocument/2006/relationships" xmlns:p="http://schemas.openxmlformats.org/presentationml/2006/main">
-  <p:cSld>
-    <p:spTree>
-      <p:nvGrpSpPr>
-        <p:cNvPr id="1" name=""/>
-        <p:cNvGrpSpPr/>
-        <p:nvPr/>
-      </p:nvGrpSpPr>
-      <p:grpSpPr>
-        <a:xfrm>
-          <a:off x="0" y="0"/>
-          <a:ext cx="0" cy="0"/>
-          <a:chOff x="0" y="0"/>
-          <a:chExt cx="0" cy="0"/>
-        </a:xfrm>
-      </p:grpSpPr>
-      <p:pic>
-        <p:nvPicPr>
-          <p:cNvPr id="6" name="图片 5"/>
-          <p:cNvPicPr>
-            <a:picLocks noChangeAspect="1"/>
-          </p:cNvPicPr>
-          <p:nvPr/>
-        </p:nvPicPr>
-        <p:blipFill>
-          <a:blip r:embed="rId3"/>
-          <a:stretch>
-            <a:fillRect/>
-          </a:stretch>
-        </p:blipFill>
-        <p:spPr>
-          <a:xfrm>
-            <a:off x="816076" y="299538"/>
-            <a:ext cx="1415848" cy="373378"/>
-          </a:xfrm>
-          <a:prstGeom prst="rect">
-            <a:avLst/>
-          </a:prstGeom>
-        </p:spPr>
-      </p:pic>
-      <p:pic>
-        <p:nvPicPr>
-          <p:cNvPr id="15" name="图片 14"/>
-          <p:cNvPicPr>
-            <a:picLocks noChangeAspect="1"/>
-          </p:cNvPicPr>
-          <p:nvPr/>
-        </p:nvPicPr>
-        <p:blipFill>
-          <a:blip r:embed="rId4"/>
-          <a:stretch>
-            <a:fillRect/>
-          </a:stretch>
-        </p:blipFill>
-        <p:spPr>
-          <a:xfrm>
-            <a:off x="0" y="-2842"/>
-            <a:ext cx="12192000" cy="979358"/>
-          </a:xfrm>
-          <a:prstGeom prst="rect">
-            <a:avLst/>
-          </a:prstGeom>
-        </p:spPr>
-      </p:pic>
-      <p:pic>
-        <p:nvPicPr>
-          <p:cNvPr id="16" name="图片 15"/>
-          <p:cNvPicPr>
-            <a:picLocks noChangeAspect="1"/>
-          </p:cNvPicPr>
-          <p:nvPr/>
-        </p:nvPicPr>
-        <p:blipFill>
-          <a:blip r:embed="rId3"/>
-          <a:stretch>
-            <a:fillRect/>
-          </a:stretch>
-        </p:blipFill>
-        <p:spPr>
-          <a:xfrm>
-            <a:off x="10235498" y="300148"/>
-            <a:ext cx="1415848" cy="373378"/>
-          </a:xfrm>
-          <a:prstGeom prst="rect">
-            <a:avLst/>
-          </a:prstGeom>
-        </p:spPr>
-      </p:pic>
-      <p:sp>
-        <p:nvSpPr>
-          <p:cNvPr id="17" name="标题 5"/>
-          <p:cNvSpPr txBox="1">
-            <a:spLocks/>
-          </p:cNvSpPr>
-          <p:nvPr/>
-        </p:nvSpPr>
-        <p:spPr>
-          <a:xfrm>
-            <a:off x="561861" y="349776"/>
-            <a:ext cx="6063523" cy="625520"/>
-          </a:xfrm>
-          <a:prstGeom prst="rect">
-            <a:avLst/>
-          </a:prstGeom>
-        </p:spPr>
-        <p:txBody>
-          <a:bodyPr/>
-          <a:lstStyle>
-            <a:lvl1pPr algn="ctr" defTabSz="1279920" rtl="0" eaLnBrk="1" latinLnBrk="0" hangingPunct="1">
-              <a:spcBef>
-                <a:spcPct val="0"/>
-              </a:spcBef>
-              <a:buNone/>
-              <a:defRPr sz="6100" kern="1200">
-                <a:solidFill>
-                  <a:schemeClr val="tx1"/>
-                </a:solidFill>
-                <a:latin typeface="+mj-lt"/>
-                <a:ea typeface="+mj-ea"/>
-                <a:cs typeface="+mj-cs"/>
-              </a:defRPr>
-            </a:lvl1pPr>
-          </a:lstStyle>
-          <a:p>
-            <a:pPr algn="l"/>
-            <a:r>
-              <a:rPr lang="zh-CN" altLang="en-US" sz="2400" dirty="0">
-                <a:solidFill>
-                  <a:schemeClr val="bg1"/>
-                </a:solidFill>
-                <a:latin typeface="vivo type CN简 Regular" panose="02000500000000000000" pitchFamily="50" charset="-122"/>
-                <a:ea typeface="vivo type CN简 Regular" panose="02000500000000000000" pitchFamily="50" charset="-122"/>
-              </a:rPr>
-              <a:t>三、负责工作模块的意见、想法及规划</a:t>
-            </a:r>
-          </a:p>
-        </p:txBody>
-      </p:sp>
-      <p:sp>
-        <p:nvSpPr>
-          <p:cNvPr id="2" name="文本框 1">
-            <a:extLst>
-              <a:ext uri="{FF2B5EF4-FFF2-40B4-BE49-F238E27FC236}">
-                <a16:creationId xmlns:a16="http://schemas.microsoft.com/office/drawing/2014/main" id="{C373C8F0-844C-487D-820E-228EE17A7CD9}"/>
-              </a:ext>
-            </a:extLst>
-          </p:cNvPr>
-          <p:cNvSpPr txBox="1"/>
-          <p:nvPr/>
-        </p:nvSpPr>
-        <p:spPr>
-          <a:xfrm>
-            <a:off x="1371688" y="1989789"/>
-            <a:ext cx="4262493" cy="923330"/>
-          </a:xfrm>
-          <a:prstGeom prst="rect">
-            <a:avLst/>
-          </a:prstGeom>
-          <a:solidFill>
-            <a:schemeClr val="bg1"/>
-          </a:solidFill>
-        </p:spPr>
-        <p:txBody>
-          <a:bodyPr wrap="square" rtlCol="0">
-            <a:spAutoFit/>
-          </a:bodyPr>
-          <a:lstStyle/>
-          <a:p>
-            <a:r>
-              <a:rPr lang="zh-CN" altLang="en-US" dirty="0"/>
-              <a:t>目的：</a:t>
-            </a:r>
-            <a:endParaRPr lang="en-US" altLang="zh-CN" dirty="0"/>
-          </a:p>
-          <a:p>
-            <a:pPr marL="342900" indent="-342900">
-              <a:buAutoNum type="arabicPeriod"/>
-            </a:pPr>
-            <a:r>
-              <a:rPr lang="zh-CN" altLang="en-US" dirty="0"/>
-              <a:t>配置成本与上手成本的降低</a:t>
-            </a:r>
-            <a:endParaRPr lang="en-US" altLang="zh-CN" dirty="0"/>
-          </a:p>
-          <a:p>
-            <a:pPr marL="342900" indent="-342900">
-              <a:buAutoNum type="arabicPeriod"/>
-            </a:pPr>
-            <a:r>
-              <a:rPr lang="zh-CN" altLang="en-US" dirty="0"/>
-              <a:t>实现跨服务、跨流水线相关任务配置</a:t>
-            </a:r>
-          </a:p>
-        </p:txBody>
-      </p:sp>
-      <p:sp>
-        <p:nvSpPr>
-          <p:cNvPr id="7" name="文本框 6">
-            <a:extLst>
-              <a:ext uri="{FF2B5EF4-FFF2-40B4-BE49-F238E27FC236}">
-                <a16:creationId xmlns:a16="http://schemas.microsoft.com/office/drawing/2014/main" id="{AC39B4C0-EA20-449F-AFF4-3F602F8C16F4}"/>
-              </a:ext>
-            </a:extLst>
-          </p:cNvPr>
-          <p:cNvSpPr txBox="1"/>
-          <p:nvPr/>
-        </p:nvSpPr>
-        <p:spPr>
-          <a:xfrm>
-            <a:off x="1168406" y="1356086"/>
-            <a:ext cx="4161059" cy="369332"/>
-          </a:xfrm>
-          <a:prstGeom prst="rect">
-            <a:avLst/>
-          </a:prstGeom>
-          <a:noFill/>
-        </p:spPr>
-        <p:txBody>
-          <a:bodyPr wrap="square" rtlCol="0">
-            <a:spAutoFit/>
-          </a:bodyPr>
-          <a:lstStyle/>
-          <a:p>
-            <a:r>
-              <a:rPr kumimoji="1" lang="zh-CN" altLang="en-US" dirty="0">
-                <a:ea typeface="vivo type CN简 Regular" panose="02000500000000000000"/>
-              </a:rPr>
-              <a:t>流水线模板管理 </a:t>
-            </a:r>
-            <a:r>
-              <a:rPr kumimoji="1" lang="en-US" altLang="zh-CN" dirty="0">
-                <a:ea typeface="vivo type CN简 Regular" panose="02000500000000000000"/>
-              </a:rPr>
-              <a:t>&amp; </a:t>
-            </a:r>
-            <a:r>
-              <a:rPr kumimoji="1" lang="zh-CN" altLang="en-US" dirty="0">
-                <a:ea typeface="vivo type CN简 Regular" panose="02000500000000000000"/>
-              </a:rPr>
-              <a:t>任务组模板管理</a:t>
-            </a:r>
-          </a:p>
-        </p:txBody>
-      </p:sp>
-      <p:sp>
-        <p:nvSpPr>
-          <p:cNvPr id="3" name="文本框 2">
-            <a:extLst>
-              <a:ext uri="{FF2B5EF4-FFF2-40B4-BE49-F238E27FC236}">
-                <a16:creationId xmlns:a16="http://schemas.microsoft.com/office/drawing/2014/main" id="{E539E7F8-2B9B-4DAE-95DF-A6C2E366A86E}"/>
-              </a:ext>
-            </a:extLst>
-          </p:cNvPr>
-          <p:cNvSpPr txBox="1"/>
-          <p:nvPr/>
-        </p:nvSpPr>
-        <p:spPr>
-          <a:xfrm>
-            <a:off x="6172802" y="1989789"/>
-            <a:ext cx="3777672" cy="923330"/>
-          </a:xfrm>
-          <a:prstGeom prst="rect">
-            <a:avLst/>
-          </a:prstGeom>
-          <a:noFill/>
-        </p:spPr>
-        <p:txBody>
-          <a:bodyPr wrap="square" rtlCol="0">
-            <a:spAutoFit/>
-          </a:bodyPr>
-          <a:lstStyle/>
-          <a:p>
-            <a:r>
-              <a:rPr lang="zh-CN" altLang="en-US" dirty="0"/>
-              <a:t>任务：</a:t>
-            </a:r>
-            <a:endParaRPr lang="en-US" altLang="zh-CN" dirty="0"/>
-          </a:p>
-          <a:p>
-            <a:pPr marL="342900" indent="-342900">
-              <a:buAutoNum type="arabicPeriod"/>
-            </a:pPr>
-            <a:r>
-              <a:rPr lang="zh-CN" altLang="en-US" dirty="0"/>
-              <a:t>模板管理页面开发</a:t>
-            </a:r>
-            <a:endParaRPr lang="en-US" altLang="zh-CN" dirty="0"/>
-          </a:p>
-          <a:p>
-            <a:pPr marL="342900" indent="-342900">
-              <a:buAutoNum type="arabicPeriod"/>
-            </a:pPr>
-            <a:r>
-              <a:rPr lang="zh-CN" altLang="en-US" dirty="0"/>
-              <a:t>任务卡片相关联模块调整</a:t>
-            </a:r>
-          </a:p>
-        </p:txBody>
-      </p:sp>
-      <p:pic>
-        <p:nvPicPr>
-          <p:cNvPr id="10" name="图片 9">
-            <a:extLst>
-              <a:ext uri="{FF2B5EF4-FFF2-40B4-BE49-F238E27FC236}">
-                <a16:creationId xmlns:a16="http://schemas.microsoft.com/office/drawing/2014/main" id="{0584C5A7-032D-4C9E-A7F3-1C070C325C0F}"/>
-              </a:ext>
-            </a:extLst>
-          </p:cNvPr>
-          <p:cNvPicPr>
-            <a:picLocks noChangeAspect="1"/>
-          </p:cNvPicPr>
-          <p:nvPr/>
-        </p:nvPicPr>
-        <p:blipFill>
-          <a:blip r:embed="rId5" cstate="print">
-            <a:extLst>
-              <a:ext uri="{28A0092B-C50C-407E-A947-70E740481C1C}">
-                <a14:useLocalDpi xmlns:a14="http://schemas.microsoft.com/office/drawing/2010/main" val="0"/>
-              </a:ext>
-            </a:extLst>
-          </a:blip>
-          <a:stretch>
-            <a:fillRect/>
-          </a:stretch>
-        </p:blipFill>
-        <p:spPr>
-          <a:xfrm>
-            <a:off x="561861" y="1269928"/>
-            <a:ext cx="468000" cy="468000"/>
-          </a:xfrm>
-          <a:prstGeom prst="rect">
-            <a:avLst/>
-          </a:prstGeom>
-        </p:spPr>
-      </p:pic>
-    </p:spTree>
-    <p:extLst>
-      <p:ext uri="{BB962C8B-B14F-4D97-AF65-F5344CB8AC3E}">
-        <p14:creationId xmlns:p14="http://schemas.microsoft.com/office/powerpoint/2010/main" val="1398722509"/>
-      </p:ext>
-    </p:extLst>
-  </p:cSld>
-  <p:clrMapOvr>
-    <a:masterClrMapping/>
-  </p:clrMapOvr>
-</p:sld>
-</file>
-
 <file path=ppt/slides/slide15.xml><?xml version="1.0" encoding="utf-8"?>
 <p:sld xmlns:a="http://schemas.openxmlformats.org/drawingml/2006/main" xmlns:r="http://schemas.openxmlformats.org/officeDocument/2006/relationships" xmlns:p="http://schemas.openxmlformats.org/presentationml/2006/main">
   <p:cSld>
@@ -22962,17 +22884,17 @@
                 <a:latin typeface="vivo type CN简 Regular" panose="02000500000000000000" pitchFamily="50" charset="-122"/>
                 <a:ea typeface="vivo type CN简 Regular" panose="02000500000000000000" pitchFamily="50" charset="-122"/>
               </a:rPr>
-              <a:t>二、试用期工作目标及达成情况总结</a:t>
+              <a:t>三、负责工作模块的意见、想法及规划</a:t>
             </a:r>
           </a:p>
         </p:txBody>
       </p:sp>
       <p:sp>
         <p:nvSpPr>
-          <p:cNvPr id="5" name="文本框 4">
+          <p:cNvPr id="2" name="文本框 1">
             <a:extLst>
               <a:ext uri="{FF2B5EF4-FFF2-40B4-BE49-F238E27FC236}">
-                <a16:creationId xmlns:a16="http://schemas.microsoft.com/office/drawing/2014/main" id="{FFC3CFA4-6BBA-4E85-B74A-8BA81FE89C58}"/>
+                <a16:creationId xmlns:a16="http://schemas.microsoft.com/office/drawing/2014/main" id="{C373C8F0-844C-487D-820E-228EE17A7CD9}"/>
               </a:ext>
             </a:extLst>
           </p:cNvPr>
@@ -22981,8 +22903,65 @@
         </p:nvSpPr>
         <p:spPr>
           <a:xfrm>
-            <a:off x="816076" y="1278896"/>
-            <a:ext cx="10369118" cy="1291379"/>
+            <a:off x="1371688" y="1989789"/>
+            <a:ext cx="4262493" cy="923330"/>
+          </a:xfrm>
+          <a:prstGeom prst="rect">
+            <a:avLst/>
+          </a:prstGeom>
+          <a:solidFill>
+            <a:schemeClr val="bg1"/>
+          </a:solidFill>
+        </p:spPr>
+        <p:txBody>
+          <a:bodyPr wrap="square" rtlCol="0">
+            <a:spAutoFit/>
+          </a:bodyPr>
+          <a:lstStyle/>
+          <a:p>
+            <a:r>
+              <a:rPr lang="zh-CN" altLang="en-US" dirty="0"/>
+              <a:t>目的：</a:t>
+            </a:r>
+            <a:endParaRPr lang="en-US" altLang="zh-CN" dirty="0"/>
+          </a:p>
+          <a:p>
+            <a:pPr marL="342900" indent="-342900">
+              <a:buAutoNum type="arabicPeriod"/>
+            </a:pPr>
+            <a:r>
+              <a:rPr lang="zh-CN" altLang="en-US" dirty="0"/>
+              <a:t>配置成本与上手成本的降低</a:t>
+            </a:r>
+            <a:endParaRPr lang="en-US" altLang="zh-CN" dirty="0"/>
+          </a:p>
+          <a:p>
+            <a:pPr marL="342900" indent="-342900">
+              <a:buAutoNum type="arabicPeriod"/>
+            </a:pPr>
+            <a:r>
+              <a:rPr lang="zh-CN" altLang="en-US" dirty="0"/>
+              <a:t>实现跨服务、跨流水线相关任务配置</a:t>
+            </a:r>
+          </a:p>
+        </p:txBody>
+      </p:sp>
+      <p:sp>
+        <p:nvSpPr>
+          <p:cNvPr id="7" name="文本框 6">
+            <a:extLst>
+              <a:ext uri="{FF2B5EF4-FFF2-40B4-BE49-F238E27FC236}">
+                <a16:creationId xmlns:a16="http://schemas.microsoft.com/office/drawing/2014/main" id="{AC39B4C0-EA20-449F-AFF4-3F602F8C16F4}"/>
+              </a:ext>
+            </a:extLst>
+          </p:cNvPr>
+          <p:cNvSpPr txBox="1"/>
+          <p:nvPr/>
+        </p:nvSpPr>
+        <p:spPr>
+          <a:xfrm>
+            <a:off x="1168406" y="1356086"/>
+            <a:ext cx="4161059" cy="369332"/>
           </a:xfrm>
           <a:prstGeom prst="rect">
             <a:avLst/>
@@ -22995,101 +22974,122 @@
           </a:bodyPr>
           <a:lstStyle/>
           <a:p>
-            <a:pPr marL="342900" indent="-342900">
-              <a:lnSpc>
-                <a:spcPct val="150000"/>
-              </a:lnSpc>
-              <a:buAutoNum type="arabicPeriod"/>
-            </a:pPr>
-            <a:r>
-              <a:rPr lang="zh-CN" altLang="en-US" dirty="0"/>
-              <a:t>熟悉</a:t>
-            </a:r>
-            <a:r>
-              <a:rPr lang="en-US" altLang="zh-CN" dirty="0"/>
-              <a:t>CICD</a:t>
-            </a:r>
-            <a:r>
-              <a:rPr lang="zh-CN" altLang="en-US" dirty="0"/>
-              <a:t>产品，了解相关业务与流程</a:t>
-            </a:r>
-            <a:endParaRPr lang="en-US" altLang="zh-CN" dirty="0"/>
-          </a:p>
-          <a:p>
-            <a:pPr marL="342900" indent="-342900">
-              <a:lnSpc>
-                <a:spcPct val="150000"/>
-              </a:lnSpc>
-              <a:buAutoNum type="arabicPeriod"/>
-            </a:pPr>
-            <a:r>
-              <a:rPr lang="zh-CN" altLang="en-US" dirty="0"/>
-              <a:t>完成</a:t>
-            </a:r>
-            <a:r>
-              <a:rPr lang="en-US" altLang="zh-CN" dirty="0"/>
-              <a:t>CICD</a:t>
-            </a:r>
-            <a:r>
-              <a:rPr lang="zh-CN" altLang="en-US" dirty="0"/>
-              <a:t>新版流水线“模板管理”和“任务组管理”的开发，并完成上线。跟踪相关迭代优化</a:t>
-            </a:r>
-            <a:endParaRPr lang="en-US" altLang="zh-CN" dirty="0"/>
-          </a:p>
-          <a:p>
-            <a:pPr marL="342900" indent="-342900">
-              <a:lnSpc>
-                <a:spcPct val="150000"/>
-              </a:lnSpc>
-              <a:buAutoNum type="arabicPeriod"/>
-            </a:pPr>
-            <a:r>
-              <a:rPr lang="zh-CN" altLang="en-US" dirty="0"/>
-              <a:t>协助完成其它相关项目（</a:t>
-            </a:r>
-            <a:r>
-              <a:rPr lang="en-US" altLang="zh-CN" dirty="0"/>
-              <a:t>CMDB</a:t>
-            </a:r>
-            <a:r>
-              <a:rPr lang="zh-CN" altLang="en-US" dirty="0"/>
-              <a:t>等）的开发工作，总结成果，跟踪上线功能迭代优化</a:t>
+            <a:r>
+              <a:rPr kumimoji="1" lang="zh-CN" altLang="en-US" dirty="0">
+                <a:ea typeface="vivo type CN简 Regular" panose="02000500000000000000"/>
+              </a:rPr>
+              <a:t>流水线模板管理 </a:t>
+            </a:r>
+            <a:r>
+              <a:rPr kumimoji="1" lang="en-US" altLang="zh-CN" dirty="0">
+                <a:ea typeface="vivo type CN简 Regular" panose="02000500000000000000"/>
+              </a:rPr>
+              <a:t>&amp; </a:t>
+            </a:r>
+            <a:r>
+              <a:rPr kumimoji="1" lang="zh-CN" altLang="en-US" dirty="0">
+                <a:ea typeface="vivo type CN简 Regular" panose="02000500000000000000"/>
+              </a:rPr>
+              <a:t>任务组模板管理</a:t>
             </a:r>
           </a:p>
         </p:txBody>
       </p:sp>
-      <p:graphicFrame>
-        <p:nvGraphicFramePr>
-          <p:cNvPr id="12" name="图示 11">
+      <p:sp>
+        <p:nvSpPr>
+          <p:cNvPr id="3" name="文本框 2">
             <a:extLst>
               <a:ext uri="{FF2B5EF4-FFF2-40B4-BE49-F238E27FC236}">
-                <a16:creationId xmlns:a16="http://schemas.microsoft.com/office/drawing/2014/main" id="{15F969C3-FF76-464D-A6EA-2CEE67A46287}"/>
+                <a16:creationId xmlns:a16="http://schemas.microsoft.com/office/drawing/2014/main" id="{E539E7F8-2B9B-4DAE-95DF-A6C2E366A86E}"/>
               </a:ext>
             </a:extLst>
           </p:cNvPr>
-          <p:cNvGraphicFramePr/>
-          <p:nvPr>
-            <p:extLst>
-              <p:ext uri="{D42A27DB-BD31-4B8C-83A1-F6EECF244321}">
-                <p14:modId xmlns:p14="http://schemas.microsoft.com/office/powerpoint/2010/main" val="16046126"/>
-              </p:ext>
-            </p:extLst>
-          </p:nvPr>
-        </p:nvGraphicFramePr>
-        <p:xfrm>
-          <a:off x="6741994" y="2994503"/>
-          <a:ext cx="4909352" cy="3416916"/>
-        </p:xfrm>
-        <a:graphic>
-          <a:graphicData uri="http://schemas.openxmlformats.org/drawingml/2006/diagram">
-            <dgm:relIds xmlns:dgm="http://schemas.openxmlformats.org/drawingml/2006/diagram" xmlns:r="http://schemas.openxmlformats.org/officeDocument/2006/relationships" r:dm="rId5" r:lo="rId6" r:qs="rId7" r:cs="rId8"/>
-          </a:graphicData>
-        </a:graphic>
-      </p:graphicFrame>
+          <p:cNvSpPr txBox="1"/>
+          <p:nvPr/>
+        </p:nvSpPr>
+        <p:spPr>
+          <a:xfrm>
+            <a:off x="6172802" y="1989789"/>
+            <a:ext cx="3777672" cy="923330"/>
+          </a:xfrm>
+          <a:prstGeom prst="rect">
+            <a:avLst/>
+          </a:prstGeom>
+          <a:noFill/>
+        </p:spPr>
+        <p:txBody>
+          <a:bodyPr wrap="square" rtlCol="0">
+            <a:spAutoFit/>
+          </a:bodyPr>
+          <a:lstStyle/>
+          <a:p>
+            <a:r>
+              <a:rPr lang="zh-CN" altLang="en-US" dirty="0"/>
+              <a:t>任务：</a:t>
+            </a:r>
+            <a:endParaRPr lang="en-US" altLang="zh-CN" dirty="0"/>
+          </a:p>
+          <a:p>
+            <a:pPr marL="342900" indent="-342900">
+              <a:buAutoNum type="arabicPeriod"/>
+            </a:pPr>
+            <a:r>
+              <a:rPr lang="zh-CN" altLang="en-US" dirty="0"/>
+              <a:t>模板管理页面开发</a:t>
+            </a:r>
+            <a:endParaRPr lang="en-US" altLang="zh-CN" dirty="0"/>
+          </a:p>
+          <a:p>
+            <a:pPr marL="342900" indent="-342900">
+              <a:buAutoNum type="arabicPeriod"/>
+            </a:pPr>
+            <a:r>
+              <a:rPr lang="zh-CN" altLang="en-US" dirty="0"/>
+              <a:t>任务卡片相关联模块调整</a:t>
+            </a:r>
+          </a:p>
+        </p:txBody>
+      </p:sp>
+      <p:pic>
+        <p:nvPicPr>
+          <p:cNvPr id="10" name="图片 9">
+            <a:extLst>
+              <a:ext uri="{FF2B5EF4-FFF2-40B4-BE49-F238E27FC236}">
+                <a16:creationId xmlns:a16="http://schemas.microsoft.com/office/drawing/2014/main" id="{0584C5A7-032D-4C9E-A7F3-1C070C325C0F}"/>
+              </a:ext>
+            </a:extLst>
+          </p:cNvPr>
+          <p:cNvPicPr>
+            <a:picLocks noChangeAspect="1"/>
+          </p:cNvPicPr>
+          <p:nvPr/>
+        </p:nvPicPr>
+        <p:blipFill>
+          <a:blip r:embed="rId5" cstate="print">
+            <a:extLst>
+              <a:ext uri="{28A0092B-C50C-407E-A947-70E740481C1C}">
+                <a14:useLocalDpi xmlns:a14="http://schemas.microsoft.com/office/drawing/2010/main" val="0"/>
+              </a:ext>
+            </a:extLst>
+          </a:blip>
+          <a:stretch>
+            <a:fillRect/>
+          </a:stretch>
+        </p:blipFill>
+        <p:spPr>
+          <a:xfrm>
+            <a:off x="561861" y="1269928"/>
+            <a:ext cx="468000" cy="468000"/>
+          </a:xfrm>
+          <a:prstGeom prst="rect">
+            <a:avLst/>
+          </a:prstGeom>
+        </p:spPr>
+      </p:pic>
     </p:spTree>
     <p:extLst>
       <p:ext uri="{BB962C8B-B14F-4D97-AF65-F5344CB8AC3E}">
-        <p14:creationId xmlns:p14="http://schemas.microsoft.com/office/powerpoint/2010/main" val="377178911"/>
+        <p14:creationId xmlns:p14="http://schemas.microsoft.com/office/powerpoint/2010/main" val="1398722509"/>
       </p:ext>
     </p:extLst>
   </p:cSld>

--- a/doc/云平台部-吕利利转正答辩.pptx
+++ b/doc/云平台部-吕利利转正答辩.pptx
@@ -5,7 +5,7 @@
     <p:sldMasterId id="2147483648" r:id="rId1"/>
   </p:sldMasterIdLst>
   <p:notesMasterIdLst>
-    <p:notesMasterId r:id="rId21"/>
+    <p:notesMasterId r:id="rId22"/>
   </p:notesMasterIdLst>
   <p:sldIdLst>
     <p:sldId id="256" r:id="rId2"/>
@@ -17,16 +17,17 @@
     <p:sldId id="287" r:id="rId8"/>
     <p:sldId id="288" r:id="rId9"/>
     <p:sldId id="276" r:id="rId10"/>
-    <p:sldId id="290" r:id="rId11"/>
-    <p:sldId id="277" r:id="rId12"/>
-    <p:sldId id="289" r:id="rId13"/>
-    <p:sldId id="291" r:id="rId14"/>
-    <p:sldId id="282" r:id="rId15"/>
-    <p:sldId id="283" r:id="rId16"/>
-    <p:sldId id="267" r:id="rId17"/>
-    <p:sldId id="279" r:id="rId18"/>
-    <p:sldId id="280" r:id="rId19"/>
-    <p:sldId id="270" r:id="rId20"/>
+    <p:sldId id="292" r:id="rId11"/>
+    <p:sldId id="290" r:id="rId12"/>
+    <p:sldId id="277" r:id="rId13"/>
+    <p:sldId id="289" r:id="rId14"/>
+    <p:sldId id="291" r:id="rId15"/>
+    <p:sldId id="282" r:id="rId16"/>
+    <p:sldId id="283" r:id="rId17"/>
+    <p:sldId id="267" r:id="rId18"/>
+    <p:sldId id="279" r:id="rId19"/>
+    <p:sldId id="280" r:id="rId20"/>
+    <p:sldId id="270" r:id="rId21"/>
   </p:sldIdLst>
   <p:sldSz cx="12192000" cy="6858000"/>
   <p:notesSz cx="6858000" cy="9144000"/>
@@ -7463,6 +7464,118 @@
 </p:notes>
 </file>
 
+<file path=ppt/notesSlides/notesSlide10.xml><?xml version="1.0" encoding="utf-8"?>
+<p:notes xmlns:a="http://schemas.openxmlformats.org/drawingml/2006/main" xmlns:r="http://schemas.openxmlformats.org/officeDocument/2006/relationships" xmlns:p="http://schemas.openxmlformats.org/presentationml/2006/main">
+  <p:cSld>
+    <p:spTree>
+      <p:nvGrpSpPr>
+        <p:cNvPr id="1" name=""/>
+        <p:cNvGrpSpPr/>
+        <p:nvPr/>
+      </p:nvGrpSpPr>
+      <p:grpSpPr>
+        <a:xfrm>
+          <a:off x="0" y="0"/>
+          <a:ext cx="0" cy="0"/>
+          <a:chOff x="0" y="0"/>
+          <a:chExt cx="0" cy="0"/>
+        </a:xfrm>
+      </p:grpSpPr>
+      <p:sp>
+        <p:nvSpPr>
+          <p:cNvPr id="2" name="幻灯片图像占位符 1"/>
+          <p:cNvSpPr>
+            <a:spLocks noGrp="1" noRot="1" noChangeAspect="1"/>
+          </p:cNvSpPr>
+          <p:nvPr>
+            <p:ph type="sldImg"/>
+          </p:nvPr>
+        </p:nvSpPr>
+        <p:spPr/>
+      </p:sp>
+      <p:sp>
+        <p:nvSpPr>
+          <p:cNvPr id="3" name="备注占位符 2"/>
+          <p:cNvSpPr>
+            <a:spLocks noGrp="1"/>
+          </p:cNvSpPr>
+          <p:nvPr>
+            <p:ph type="body" idx="1"/>
+          </p:nvPr>
+        </p:nvSpPr>
+        <p:spPr/>
+        <p:txBody>
+          <a:bodyPr/>
+          <a:lstStyle/>
+          <a:p>
+            <a:r>
+              <a:rPr lang="en-US" altLang="zh-CN" dirty="0"/>
+              <a:t>Situation</a:t>
+            </a:r>
+            <a:r>
+              <a:rPr lang="zh-CN" altLang="en-US" dirty="0"/>
+              <a:t>、</a:t>
+            </a:r>
+            <a:r>
+              <a:rPr lang="en-US" altLang="zh-CN" dirty="0"/>
+              <a:t>Task</a:t>
+            </a:r>
+            <a:r>
+              <a:rPr lang="zh-CN" altLang="en-US" dirty="0"/>
+              <a:t>、</a:t>
+            </a:r>
+            <a:r>
+              <a:rPr lang="en-US" altLang="zh-CN" dirty="0"/>
+              <a:t>Action</a:t>
+            </a:r>
+            <a:r>
+              <a:rPr lang="zh-CN" altLang="en-US" dirty="0"/>
+              <a:t>、</a:t>
+            </a:r>
+            <a:r>
+              <a:rPr lang="en-US" altLang="zh-CN" dirty="0"/>
+              <a:t>Result</a:t>
+            </a:r>
+            <a:endParaRPr lang="zh-CN" altLang="en-US" dirty="0"/>
+          </a:p>
+        </p:txBody>
+      </p:sp>
+      <p:sp>
+        <p:nvSpPr>
+          <p:cNvPr id="4" name="灯片编号占位符 3"/>
+          <p:cNvSpPr>
+            <a:spLocks noGrp="1"/>
+          </p:cNvSpPr>
+          <p:nvPr>
+            <p:ph type="sldNum" sz="quarter" idx="5"/>
+          </p:nvPr>
+        </p:nvSpPr>
+        <p:spPr/>
+        <p:txBody>
+          <a:bodyPr/>
+          <a:lstStyle/>
+          <a:p>
+            <a:fld id="{DCC3A712-C4F2-4986-B9D0-E576AED28EF2}" type="slidenum">
+              <a:rPr lang="zh-CN" altLang="en-US" smtClean="0"/>
+              <a:t>16</a:t>
+            </a:fld>
+            <a:endParaRPr lang="zh-CN" altLang="en-US"/>
+          </a:p>
+        </p:txBody>
+      </p:sp>
+    </p:spTree>
+    <p:extLst>
+      <p:ext uri="{BB962C8B-B14F-4D97-AF65-F5344CB8AC3E}">
+        <p14:creationId xmlns:p14="http://schemas.microsoft.com/office/powerpoint/2010/main" val="4140660463"/>
+      </p:ext>
+    </p:extLst>
+  </p:cSld>
+  <p:clrMapOvr>
+    <a:masterClrMapping/>
+  </p:clrMapOvr>
+</p:notes>
+</file>
+
 <file path=ppt/notesSlides/notesSlide2.xml><?xml version="1.0" encoding="utf-8"?>
 <p:notes xmlns:a="http://schemas.openxmlformats.org/drawingml/2006/main" xmlns:r="http://schemas.openxmlformats.org/officeDocument/2006/relationships" xmlns:p="http://schemas.openxmlformats.org/presentationml/2006/main">
   <p:cSld>
@@ -7723,23 +7836,33 @@
           <a:p>
             <a:r>
               <a:rPr lang="en-US" altLang="zh-CN" dirty="0"/>
-              <a:t>1.</a:t>
+              <a:t>Situation</a:t>
             </a:r>
             <a:r>
               <a:rPr lang="zh-CN" altLang="en-US" dirty="0"/>
-              <a:t>配置成本与上手成本的降低</a:t>
-            </a:r>
-            <a:endParaRPr lang="en-US" altLang="zh-CN" dirty="0"/>
-          </a:p>
-          <a:p>
+              <a:t>、</a:t>
+            </a:r>
             <a:r>
               <a:rPr lang="en-US" altLang="zh-CN" dirty="0"/>
-              <a:t>2.</a:t>
+              <a:t>Task</a:t>
             </a:r>
             <a:r>
               <a:rPr lang="zh-CN" altLang="en-US" dirty="0"/>
-              <a:t>跨服务、跨流水线相关任务配置</a:t>
-            </a:r>
+              <a:t>、</a:t>
+            </a:r>
+            <a:r>
+              <a:rPr lang="en-US" altLang="zh-CN" dirty="0"/>
+              <a:t>Action</a:t>
+            </a:r>
+            <a:r>
+              <a:rPr lang="zh-CN" altLang="en-US" dirty="0"/>
+              <a:t>、</a:t>
+            </a:r>
+            <a:r>
+              <a:rPr lang="en-US" altLang="zh-CN" dirty="0"/>
+              <a:t>Result</a:t>
+            </a:r>
+            <a:endParaRPr lang="zh-CN" altLang="en-US" dirty="0"/>
           </a:p>
         </p:txBody>
       </p:sp>
@@ -7769,7 +7892,7 @@
     </p:spTree>
     <p:extLst>
       <p:ext uri="{BB962C8B-B14F-4D97-AF65-F5344CB8AC3E}">
-        <p14:creationId xmlns:p14="http://schemas.microsoft.com/office/powerpoint/2010/main" val="568840130"/>
+        <p14:creationId xmlns:p14="http://schemas.microsoft.com/office/powerpoint/2010/main" val="3646854169"/>
       </p:ext>
     </p:extLst>
   </p:cSld>
@@ -7871,7 +7994,7 @@
     </p:spTree>
     <p:extLst>
       <p:ext uri="{BB962C8B-B14F-4D97-AF65-F5344CB8AC3E}">
-        <p14:creationId xmlns:p14="http://schemas.microsoft.com/office/powerpoint/2010/main" val="2606373292"/>
+        <p14:creationId xmlns:p14="http://schemas.microsoft.com/office/powerpoint/2010/main" val="568840130"/>
       </p:ext>
     </p:extLst>
   </p:cSld>
@@ -7973,7 +8096,7 @@
     </p:spTree>
     <p:extLst>
       <p:ext uri="{BB962C8B-B14F-4D97-AF65-F5344CB8AC3E}">
-        <p14:creationId xmlns:p14="http://schemas.microsoft.com/office/powerpoint/2010/main" val="1530544073"/>
+        <p14:creationId xmlns:p14="http://schemas.microsoft.com/office/powerpoint/2010/main" val="2606373292"/>
       </p:ext>
     </p:extLst>
   </p:cSld>
@@ -8075,7 +8198,7 @@
     </p:spTree>
     <p:extLst>
       <p:ext uri="{BB962C8B-B14F-4D97-AF65-F5344CB8AC3E}">
-        <p14:creationId xmlns:p14="http://schemas.microsoft.com/office/powerpoint/2010/main" val="2767503815"/>
+        <p14:creationId xmlns:p14="http://schemas.microsoft.com/office/powerpoint/2010/main" val="1530544073"/>
       </p:ext>
     </p:extLst>
   </p:cSld>
@@ -8177,7 +8300,7 @@
     </p:spTree>
     <p:extLst>
       <p:ext uri="{BB962C8B-B14F-4D97-AF65-F5344CB8AC3E}">
-        <p14:creationId xmlns:p14="http://schemas.microsoft.com/office/powerpoint/2010/main" val="3873233638"/>
+        <p14:creationId xmlns:p14="http://schemas.microsoft.com/office/powerpoint/2010/main" val="2767503815"/>
       </p:ext>
     </p:extLst>
   </p:cSld>
@@ -8233,33 +8356,23 @@
           <a:p>
             <a:r>
               <a:rPr lang="en-US" altLang="zh-CN" dirty="0"/>
-              <a:t>Situation</a:t>
+              <a:t>1.</a:t>
             </a:r>
             <a:r>
               <a:rPr lang="zh-CN" altLang="en-US" dirty="0"/>
-              <a:t>、</a:t>
-            </a:r>
+              <a:t>配置成本与上手成本的降低</a:t>
+            </a:r>
+            <a:endParaRPr lang="en-US" altLang="zh-CN" dirty="0"/>
+          </a:p>
+          <a:p>
             <a:r>
               <a:rPr lang="en-US" altLang="zh-CN" dirty="0"/>
-              <a:t>Task</a:t>
+              <a:t>2.</a:t>
             </a:r>
             <a:r>
               <a:rPr lang="zh-CN" altLang="en-US" dirty="0"/>
-              <a:t>、</a:t>
-            </a:r>
-            <a:r>
-              <a:rPr lang="en-US" altLang="zh-CN" dirty="0"/>
-              <a:t>Action</a:t>
-            </a:r>
-            <a:r>
-              <a:rPr lang="zh-CN" altLang="en-US" dirty="0"/>
-              <a:t>、</a:t>
-            </a:r>
-            <a:r>
-              <a:rPr lang="en-US" altLang="zh-CN" dirty="0"/>
-              <a:t>Result</a:t>
-            </a:r>
-            <a:endParaRPr lang="zh-CN" altLang="en-US" dirty="0"/>
+              <a:t>跨服务、跨流水线相关任务配置</a:t>
+            </a:r>
           </a:p>
         </p:txBody>
       </p:sp>
@@ -8289,7 +8402,7 @@
     </p:spTree>
     <p:extLst>
       <p:ext uri="{BB962C8B-B14F-4D97-AF65-F5344CB8AC3E}">
-        <p14:creationId xmlns:p14="http://schemas.microsoft.com/office/powerpoint/2010/main" val="4140660463"/>
+        <p14:creationId xmlns:p14="http://schemas.microsoft.com/office/powerpoint/2010/main" val="3873233638"/>
       </p:ext>
     </p:extLst>
   </p:cSld>
@@ -11834,6 +11947,525 @@
                 <a:latin typeface="vivo type CN简 Regular" panose="02000500000000000000" pitchFamily="50" charset="-122"/>
                 <a:ea typeface="vivo type CN简 Regular" panose="02000500000000000000" pitchFamily="50" charset="-122"/>
               </a:rPr>
+              <a:t>三、负责工作模块的意见、想法及规划</a:t>
+            </a:r>
+          </a:p>
+        </p:txBody>
+      </p:sp>
+      <p:sp>
+        <p:nvSpPr>
+          <p:cNvPr id="2" name="文本框 1">
+            <a:extLst>
+              <a:ext uri="{FF2B5EF4-FFF2-40B4-BE49-F238E27FC236}">
+                <a16:creationId xmlns:a16="http://schemas.microsoft.com/office/drawing/2014/main" id="{C373C8F0-844C-487D-820E-228EE17A7CD9}"/>
+              </a:ext>
+            </a:extLst>
+          </p:cNvPr>
+          <p:cNvSpPr txBox="1"/>
+          <p:nvPr/>
+        </p:nvSpPr>
+        <p:spPr>
+          <a:xfrm>
+            <a:off x="1029861" y="1999858"/>
+            <a:ext cx="4262493" cy="923330"/>
+          </a:xfrm>
+          <a:prstGeom prst="rect">
+            <a:avLst/>
+          </a:prstGeom>
+          <a:solidFill>
+            <a:schemeClr val="bg1"/>
+          </a:solidFill>
+        </p:spPr>
+        <p:txBody>
+          <a:bodyPr wrap="square" rtlCol="0">
+            <a:spAutoFit/>
+          </a:bodyPr>
+          <a:lstStyle/>
+          <a:p>
+            <a:r>
+              <a:rPr lang="zh-CN" altLang="en-US" dirty="0"/>
+              <a:t>目的：</a:t>
+            </a:r>
+            <a:endParaRPr lang="en-US" altLang="zh-CN" dirty="0"/>
+          </a:p>
+          <a:p>
+            <a:pPr marL="342900" indent="-342900">
+              <a:buAutoNum type="arabicPeriod"/>
+            </a:pPr>
+            <a:r>
+              <a:rPr lang="zh-CN" altLang="en-US" dirty="0"/>
+              <a:t>配置成本与上手成本的降低</a:t>
+            </a:r>
+            <a:endParaRPr lang="en-US" altLang="zh-CN" dirty="0"/>
+          </a:p>
+          <a:p>
+            <a:pPr marL="342900" indent="-342900">
+              <a:buAutoNum type="arabicPeriod"/>
+            </a:pPr>
+            <a:r>
+              <a:rPr lang="zh-CN" altLang="en-US" dirty="0"/>
+              <a:t>实现跨服务、跨流水线相关任务配置</a:t>
+            </a:r>
+          </a:p>
+        </p:txBody>
+      </p:sp>
+      <p:sp>
+        <p:nvSpPr>
+          <p:cNvPr id="7" name="文本框 6">
+            <a:extLst>
+              <a:ext uri="{FF2B5EF4-FFF2-40B4-BE49-F238E27FC236}">
+                <a16:creationId xmlns:a16="http://schemas.microsoft.com/office/drawing/2014/main" id="{AC39B4C0-EA20-449F-AFF4-3F602F8C16F4}"/>
+              </a:ext>
+            </a:extLst>
+          </p:cNvPr>
+          <p:cNvSpPr txBox="1"/>
+          <p:nvPr/>
+        </p:nvSpPr>
+        <p:spPr>
+          <a:xfrm>
+            <a:off x="1168406" y="1356086"/>
+            <a:ext cx="4161059" cy="369332"/>
+          </a:xfrm>
+          <a:prstGeom prst="rect">
+            <a:avLst/>
+          </a:prstGeom>
+          <a:noFill/>
+        </p:spPr>
+        <p:txBody>
+          <a:bodyPr wrap="square" rtlCol="0">
+            <a:spAutoFit/>
+          </a:bodyPr>
+          <a:lstStyle/>
+          <a:p>
+            <a:r>
+              <a:rPr kumimoji="1" lang="en-US" altLang="zh-CN" dirty="0">
+                <a:ea typeface="vivo type CN简 Regular" panose="02000500000000000000"/>
+              </a:rPr>
+              <a:t>Vivo cloud</a:t>
+            </a:r>
+            <a:r>
+              <a:rPr kumimoji="1" lang="zh-CN" altLang="en-US" dirty="0">
+                <a:ea typeface="vivo type CN简 Regular" panose="02000500000000000000"/>
+              </a:rPr>
+              <a:t>全局搜索和文档管理</a:t>
+            </a:r>
+          </a:p>
+        </p:txBody>
+      </p:sp>
+      <p:sp>
+        <p:nvSpPr>
+          <p:cNvPr id="3" name="文本框 2">
+            <a:extLst>
+              <a:ext uri="{FF2B5EF4-FFF2-40B4-BE49-F238E27FC236}">
+                <a16:creationId xmlns:a16="http://schemas.microsoft.com/office/drawing/2014/main" id="{E539E7F8-2B9B-4DAE-95DF-A6C2E366A86E}"/>
+              </a:ext>
+            </a:extLst>
+          </p:cNvPr>
+          <p:cNvSpPr txBox="1"/>
+          <p:nvPr/>
+        </p:nvSpPr>
+        <p:spPr>
+          <a:xfrm>
+            <a:off x="6096000" y="1793481"/>
+            <a:ext cx="3777672" cy="923330"/>
+          </a:xfrm>
+          <a:prstGeom prst="rect">
+            <a:avLst/>
+          </a:prstGeom>
+          <a:noFill/>
+        </p:spPr>
+        <p:txBody>
+          <a:bodyPr wrap="square" rtlCol="0">
+            <a:spAutoFit/>
+          </a:bodyPr>
+          <a:lstStyle/>
+          <a:p>
+            <a:r>
+              <a:rPr lang="zh-CN" altLang="en-US" dirty="0"/>
+              <a:t>任务：</a:t>
+            </a:r>
+            <a:endParaRPr lang="en-US" altLang="zh-CN" dirty="0"/>
+          </a:p>
+          <a:p>
+            <a:pPr marL="342900" indent="-342900">
+              <a:buAutoNum type="arabicPeriod"/>
+            </a:pPr>
+            <a:r>
+              <a:rPr lang="zh-CN" altLang="en-US" dirty="0"/>
+              <a:t>模板管理页面开发</a:t>
+            </a:r>
+            <a:endParaRPr lang="en-US" altLang="zh-CN" dirty="0"/>
+          </a:p>
+          <a:p>
+            <a:pPr marL="342900" indent="-342900">
+              <a:buAutoNum type="arabicPeriod"/>
+            </a:pPr>
+            <a:r>
+              <a:rPr lang="zh-CN" altLang="en-US" dirty="0"/>
+              <a:t>任务卡片相关联模块调整</a:t>
+            </a:r>
+          </a:p>
+        </p:txBody>
+      </p:sp>
+      <p:pic>
+        <p:nvPicPr>
+          <p:cNvPr id="10" name="图片 9">
+            <a:extLst>
+              <a:ext uri="{FF2B5EF4-FFF2-40B4-BE49-F238E27FC236}">
+                <a16:creationId xmlns:a16="http://schemas.microsoft.com/office/drawing/2014/main" id="{0584C5A7-032D-4C9E-A7F3-1C070C325C0F}"/>
+              </a:ext>
+            </a:extLst>
+          </p:cNvPr>
+          <p:cNvPicPr>
+            <a:picLocks noChangeAspect="1"/>
+          </p:cNvPicPr>
+          <p:nvPr/>
+        </p:nvPicPr>
+        <p:blipFill>
+          <a:blip r:embed="rId5" cstate="print">
+            <a:extLst>
+              <a:ext uri="{28A0092B-C50C-407E-A947-70E740481C1C}">
+                <a14:useLocalDpi xmlns:a14="http://schemas.microsoft.com/office/drawing/2010/main" val="0"/>
+              </a:ext>
+            </a:extLst>
+          </a:blip>
+          <a:stretch>
+            <a:fillRect/>
+          </a:stretch>
+        </p:blipFill>
+        <p:spPr>
+          <a:xfrm>
+            <a:off x="561861" y="1269928"/>
+            <a:ext cx="468000" cy="468000"/>
+          </a:xfrm>
+          <a:prstGeom prst="rect">
+            <a:avLst/>
+          </a:prstGeom>
+        </p:spPr>
+      </p:pic>
+      <p:sp>
+        <p:nvSpPr>
+          <p:cNvPr id="4" name="文本框 3">
+            <a:extLst>
+              <a:ext uri="{FF2B5EF4-FFF2-40B4-BE49-F238E27FC236}">
+                <a16:creationId xmlns:a16="http://schemas.microsoft.com/office/drawing/2014/main" id="{087EA714-3855-4169-84C1-ED086018829B}"/>
+              </a:ext>
+            </a:extLst>
+          </p:cNvPr>
+          <p:cNvSpPr txBox="1"/>
+          <p:nvPr/>
+        </p:nvSpPr>
+        <p:spPr>
+          <a:xfrm>
+            <a:off x="721913" y="3197628"/>
+            <a:ext cx="5291091" cy="1754326"/>
+          </a:xfrm>
+          <a:prstGeom prst="rect">
+            <a:avLst/>
+          </a:prstGeom>
+          <a:noFill/>
+        </p:spPr>
+        <p:txBody>
+          <a:bodyPr wrap="square" rtlCol="0">
+            <a:spAutoFit/>
+          </a:bodyPr>
+          <a:lstStyle/>
+          <a:p>
+            <a:r>
+              <a:rPr lang="zh-CN" altLang="en-US" dirty="0"/>
+              <a:t>规划：</a:t>
+            </a:r>
+            <a:endParaRPr lang="en-US" altLang="zh-CN" dirty="0"/>
+          </a:p>
+          <a:p>
+            <a:pPr marL="342900" indent="-342900">
+              <a:buAutoNum type="arabicPeriod"/>
+            </a:pPr>
+            <a:r>
+              <a:rPr lang="zh-CN" altLang="en-US" dirty="0"/>
+              <a:t>持续参与项目迭代优化，应对新版流水线推广过程中各需求场景的项目能力建设；</a:t>
+            </a:r>
+            <a:endParaRPr lang="en-US" altLang="zh-CN" dirty="0"/>
+          </a:p>
+          <a:p>
+            <a:pPr marL="342900" indent="-342900">
+              <a:buAutoNum type="arabicPeriod"/>
+            </a:pPr>
+            <a:r>
+              <a:rPr lang="zh-CN" altLang="en-US" dirty="0"/>
+              <a:t>旧版流水线有关功能迭代</a:t>
+            </a:r>
+            <a:endParaRPr lang="en-US" altLang="zh-CN" dirty="0"/>
+          </a:p>
+          <a:p>
+            <a:pPr marL="342900" indent="-342900">
+              <a:buAutoNum type="arabicPeriod"/>
+            </a:pPr>
+            <a:r>
+              <a:rPr lang="zh-CN" altLang="en-US" dirty="0"/>
+              <a:t>针对已知问题（</a:t>
+            </a:r>
+            <a:r>
+              <a:rPr lang="en-US" altLang="zh-CN" dirty="0"/>
+              <a:t>what</a:t>
+            </a:r>
+            <a:r>
+              <a:rPr lang="zh-CN" altLang="en-US" dirty="0"/>
+              <a:t>？？）、规划（具体前期列出，是什么？待确认），修复和实现</a:t>
+            </a:r>
+          </a:p>
+        </p:txBody>
+      </p:sp>
+      <p:sp>
+        <p:nvSpPr>
+          <p:cNvPr id="5" name="文本框 4">
+            <a:extLst>
+              <a:ext uri="{FF2B5EF4-FFF2-40B4-BE49-F238E27FC236}">
+                <a16:creationId xmlns:a16="http://schemas.microsoft.com/office/drawing/2014/main" id="{B09FA350-C328-4133-8918-3142F7A72DB1}"/>
+              </a:ext>
+            </a:extLst>
+          </p:cNvPr>
+          <p:cNvSpPr txBox="1"/>
+          <p:nvPr/>
+        </p:nvSpPr>
+        <p:spPr>
+          <a:xfrm>
+            <a:off x="6096000" y="2923188"/>
+            <a:ext cx="5473762" cy="3693319"/>
+          </a:xfrm>
+          <a:prstGeom prst="rect">
+            <a:avLst/>
+          </a:prstGeom>
+          <a:noFill/>
+        </p:spPr>
+        <p:txBody>
+          <a:bodyPr wrap="square" rtlCol="0">
+            <a:spAutoFit/>
+          </a:bodyPr>
+          <a:lstStyle/>
+          <a:p>
+            <a:r>
+              <a:rPr lang="zh-CN" altLang="en-US" dirty="0"/>
+              <a:t>想法：</a:t>
+            </a:r>
+            <a:endParaRPr lang="en-US" altLang="zh-CN" dirty="0"/>
+          </a:p>
+          <a:p>
+            <a:pPr marL="342900" indent="-342900">
+              <a:buAutoNum type="arabicPeriod"/>
+            </a:pPr>
+            <a:r>
+              <a:rPr lang="zh-CN" altLang="en-US" dirty="0"/>
+              <a:t>新版流水线，任务组设计不明确，可优化；</a:t>
+            </a:r>
+            <a:endParaRPr lang="en-US" altLang="zh-CN" dirty="0"/>
+          </a:p>
+          <a:p>
+            <a:pPr marL="342900" indent="-342900">
+              <a:buAutoNum type="arabicPeriod"/>
+            </a:pPr>
+            <a:r>
+              <a:rPr lang="zh-CN" altLang="en-US" dirty="0"/>
+              <a:t>需求实现过程中发现，部分卡片在自定义模块中的设计不够严谨（比如选择机器、分线上线下等情况，模板里面不该选择）</a:t>
+            </a:r>
+            <a:endParaRPr lang="en-US" altLang="zh-CN" dirty="0"/>
+          </a:p>
+          <a:p>
+            <a:pPr marL="342900" indent="-342900">
+              <a:buAutoNum type="arabicPeriod"/>
+            </a:pPr>
+            <a:r>
+              <a:rPr lang="zh-CN" altLang="en-US" dirty="0"/>
+              <a:t>前端：解决表单必填项校验的问题，通过配置可深层探到各表单的校验项，做到统一去除。但存在部分问题未解决，应该形成通用的方法</a:t>
+            </a:r>
+            <a:r>
+              <a:rPr lang="en-US" altLang="zh-CN" dirty="0"/>
+              <a:t>/</a:t>
+            </a:r>
+            <a:r>
+              <a:rPr lang="zh-CN" altLang="en-US" dirty="0"/>
+              <a:t>模块输出</a:t>
+            </a:r>
+            <a:endParaRPr lang="en-US" altLang="zh-CN" dirty="0"/>
+          </a:p>
+          <a:p>
+            <a:pPr marL="342900" indent="-342900">
+              <a:buAutoNum type="arabicPeriod"/>
+            </a:pPr>
+            <a:r>
+              <a:rPr lang="zh-CN" altLang="en-US" dirty="0"/>
+              <a:t>旧版流水线过程中，发现的</a:t>
+            </a:r>
+            <a:r>
+              <a:rPr lang="en-US" altLang="zh-CN" dirty="0"/>
+              <a:t>element-</a:t>
+            </a:r>
+            <a:r>
+              <a:rPr lang="en-US" altLang="zh-CN" dirty="0" err="1"/>
+              <a:t>ui</a:t>
+            </a:r>
+            <a:r>
+              <a:rPr lang="zh-CN" altLang="en-US" dirty="0"/>
+              <a:t>穿梭框不能够适应多种场景，无法满足本项目的需求，优化待完成，应当尽快完成，输出模块，并入在</a:t>
+            </a:r>
+            <a:r>
+              <a:rPr lang="en-US" altLang="zh-CN" dirty="0"/>
+              <a:t>pass</a:t>
+            </a:r>
+            <a:r>
+              <a:rPr lang="zh-CN" altLang="en-US" dirty="0"/>
+              <a:t>组件库中进行使用。</a:t>
+            </a:r>
+          </a:p>
+        </p:txBody>
+      </p:sp>
+    </p:spTree>
+    <p:extLst>
+      <p:ext uri="{BB962C8B-B14F-4D97-AF65-F5344CB8AC3E}">
+        <p14:creationId xmlns:p14="http://schemas.microsoft.com/office/powerpoint/2010/main" val="3635746072"/>
+      </p:ext>
+    </p:extLst>
+  </p:cSld>
+  <p:clrMapOvr>
+    <a:masterClrMapping/>
+  </p:clrMapOvr>
+</p:sld>
+</file>
+
+<file path=ppt/slides/slide11.xml><?xml version="1.0" encoding="utf-8"?>
+<p:sld xmlns:a="http://schemas.openxmlformats.org/drawingml/2006/main" xmlns:r="http://schemas.openxmlformats.org/officeDocument/2006/relationships" xmlns:p="http://schemas.openxmlformats.org/presentationml/2006/main">
+  <p:cSld>
+    <p:spTree>
+      <p:nvGrpSpPr>
+        <p:cNvPr id="1" name=""/>
+        <p:cNvGrpSpPr/>
+        <p:nvPr/>
+      </p:nvGrpSpPr>
+      <p:grpSpPr>
+        <a:xfrm>
+          <a:off x="0" y="0"/>
+          <a:ext cx="0" cy="0"/>
+          <a:chOff x="0" y="0"/>
+          <a:chExt cx="0" cy="0"/>
+        </a:xfrm>
+      </p:grpSpPr>
+      <p:pic>
+        <p:nvPicPr>
+          <p:cNvPr id="6" name="图片 5"/>
+          <p:cNvPicPr>
+            <a:picLocks noChangeAspect="1"/>
+          </p:cNvPicPr>
+          <p:nvPr/>
+        </p:nvPicPr>
+        <p:blipFill>
+          <a:blip r:embed="rId3"/>
+          <a:stretch>
+            <a:fillRect/>
+          </a:stretch>
+        </p:blipFill>
+        <p:spPr>
+          <a:xfrm>
+            <a:off x="816076" y="299538"/>
+            <a:ext cx="1415848" cy="373378"/>
+          </a:xfrm>
+          <a:prstGeom prst="rect">
+            <a:avLst/>
+          </a:prstGeom>
+        </p:spPr>
+      </p:pic>
+      <p:pic>
+        <p:nvPicPr>
+          <p:cNvPr id="15" name="图片 14"/>
+          <p:cNvPicPr>
+            <a:picLocks noChangeAspect="1"/>
+          </p:cNvPicPr>
+          <p:nvPr/>
+        </p:nvPicPr>
+        <p:blipFill>
+          <a:blip r:embed="rId4"/>
+          <a:stretch>
+            <a:fillRect/>
+          </a:stretch>
+        </p:blipFill>
+        <p:spPr>
+          <a:xfrm>
+            <a:off x="0" y="-2842"/>
+            <a:ext cx="12192000" cy="979358"/>
+          </a:xfrm>
+          <a:prstGeom prst="rect">
+            <a:avLst/>
+          </a:prstGeom>
+        </p:spPr>
+      </p:pic>
+      <p:pic>
+        <p:nvPicPr>
+          <p:cNvPr id="16" name="图片 15"/>
+          <p:cNvPicPr>
+            <a:picLocks noChangeAspect="1"/>
+          </p:cNvPicPr>
+          <p:nvPr/>
+        </p:nvPicPr>
+        <p:blipFill>
+          <a:blip r:embed="rId3"/>
+          <a:stretch>
+            <a:fillRect/>
+          </a:stretch>
+        </p:blipFill>
+        <p:spPr>
+          <a:xfrm>
+            <a:off x="10235498" y="300148"/>
+            <a:ext cx="1415848" cy="373378"/>
+          </a:xfrm>
+          <a:prstGeom prst="rect">
+            <a:avLst/>
+          </a:prstGeom>
+        </p:spPr>
+      </p:pic>
+      <p:sp>
+        <p:nvSpPr>
+          <p:cNvPr id="17" name="标题 5"/>
+          <p:cNvSpPr txBox="1">
+            <a:spLocks/>
+          </p:cNvSpPr>
+          <p:nvPr/>
+        </p:nvSpPr>
+        <p:spPr>
+          <a:xfrm>
+            <a:off x="561861" y="349776"/>
+            <a:ext cx="6063523" cy="625520"/>
+          </a:xfrm>
+          <a:prstGeom prst="rect">
+            <a:avLst/>
+          </a:prstGeom>
+        </p:spPr>
+        <p:txBody>
+          <a:bodyPr/>
+          <a:lstStyle>
+            <a:lvl1pPr algn="ctr" defTabSz="1279920" rtl="0" eaLnBrk="1" latinLnBrk="0" hangingPunct="1">
+              <a:spcBef>
+                <a:spcPct val="0"/>
+              </a:spcBef>
+              <a:buNone/>
+              <a:defRPr sz="6100" kern="1200">
+                <a:solidFill>
+                  <a:schemeClr val="tx1"/>
+                </a:solidFill>
+                <a:latin typeface="+mj-lt"/>
+                <a:ea typeface="+mj-ea"/>
+                <a:cs typeface="+mj-cs"/>
+              </a:defRPr>
+            </a:lvl1pPr>
+          </a:lstStyle>
+          <a:p>
+            <a:pPr algn="l"/>
+            <a:r>
+              <a:rPr lang="zh-CN" altLang="en-US" sz="2400" dirty="0">
+                <a:solidFill>
+                  <a:schemeClr val="bg1"/>
+                </a:solidFill>
+                <a:latin typeface="vivo type CN简 Regular" panose="02000500000000000000" pitchFamily="50" charset="-122"/>
+                <a:ea typeface="vivo type CN简 Regular" panose="02000500000000000000" pitchFamily="50" charset="-122"/>
+              </a:rPr>
               <a:t>二、试用期工作目标及达成情况总结</a:t>
             </a:r>
           </a:p>
@@ -11971,7 +12603,7 @@
 </p:sld>
 </file>
 
-<file path=ppt/slides/slide11.xml><?xml version="1.0" encoding="utf-8"?>
+<file path=ppt/slides/slide12.xml><?xml version="1.0" encoding="utf-8"?>
 <p:sld xmlns:a="http://schemas.openxmlformats.org/drawingml/2006/main" xmlns:r="http://schemas.openxmlformats.org/officeDocument/2006/relationships" xmlns:p="http://schemas.openxmlformats.org/presentationml/2006/main">
   <p:cSld>
     <p:spTree>
@@ -12577,7 +13209,7 @@
 </p:sld>
 </file>
 
-<file path=ppt/slides/slide12.xml><?xml version="1.0" encoding="utf-8"?>
+<file path=ppt/slides/slide13.xml><?xml version="1.0" encoding="utf-8"?>
 <p:sld xmlns:a="http://schemas.openxmlformats.org/drawingml/2006/main" xmlns:r="http://schemas.openxmlformats.org/officeDocument/2006/relationships" xmlns:p="http://schemas.openxmlformats.org/presentationml/2006/main">
   <p:cSld>
     <p:spTree>
@@ -15060,7 +15692,7 @@
 </p:sld>
 </file>
 
-<file path=ppt/slides/slide13.xml><?xml version="1.0" encoding="utf-8"?>
+<file path=ppt/slides/slide14.xml><?xml version="1.0" encoding="utf-8"?>
 <p:sld xmlns:a="http://schemas.openxmlformats.org/drawingml/2006/main" xmlns:r="http://schemas.openxmlformats.org/officeDocument/2006/relationships" xmlns:p="http://schemas.openxmlformats.org/presentationml/2006/main">
   <p:cSld>
     <p:spTree>
@@ -17789,7 +18421,7 @@
 </p:sld>
 </file>
 
-<file path=ppt/slides/slide14.xml><?xml version="1.0" encoding="utf-8"?>
+<file path=ppt/slides/slide15.xml><?xml version="1.0" encoding="utf-8"?>
 <p:sld xmlns:a="http://schemas.openxmlformats.org/drawingml/2006/main" xmlns:r="http://schemas.openxmlformats.org/officeDocument/2006/relationships" xmlns:p="http://schemas.openxmlformats.org/presentationml/2006/main">
   <p:cSld>
     <p:spTree>
@@ -19057,7 +19689,7 @@
 </p:sld>
 </file>
 
-<file path=ppt/slides/slide15.xml><?xml version="1.0" encoding="utf-8"?>
+<file path=ppt/slides/slide16.xml><?xml version="1.0" encoding="utf-8"?>
 <p:sld xmlns:a="http://schemas.openxmlformats.org/drawingml/2006/main" xmlns:r="http://schemas.openxmlformats.org/officeDocument/2006/relationships" xmlns:p="http://schemas.openxmlformats.org/presentationml/2006/main">
   <p:cSld>
     <p:spTree>
@@ -19270,158 +19902,6 @@
     <p:extLst>
       <p:ext uri="{BB962C8B-B14F-4D97-AF65-F5344CB8AC3E}">
         <p14:creationId xmlns:p14="http://schemas.microsoft.com/office/powerpoint/2010/main" val="2756804210"/>
-      </p:ext>
-    </p:extLst>
-  </p:cSld>
-  <p:clrMapOvr>
-    <a:masterClrMapping/>
-  </p:clrMapOvr>
-</p:sld>
-</file>
-
-<file path=ppt/slides/slide16.xml><?xml version="1.0" encoding="utf-8"?>
-<p:sld xmlns:a="http://schemas.openxmlformats.org/drawingml/2006/main" xmlns:r="http://schemas.openxmlformats.org/officeDocument/2006/relationships" xmlns:p="http://schemas.openxmlformats.org/presentationml/2006/main">
-  <p:cSld>
-    <p:spTree>
-      <p:nvGrpSpPr>
-        <p:cNvPr id="1" name=""/>
-        <p:cNvGrpSpPr/>
-        <p:nvPr/>
-      </p:nvGrpSpPr>
-      <p:grpSpPr>
-        <a:xfrm>
-          <a:off x="0" y="0"/>
-          <a:ext cx="0" cy="0"/>
-          <a:chOff x="0" y="0"/>
-          <a:chExt cx="0" cy="0"/>
-        </a:xfrm>
-      </p:grpSpPr>
-      <p:pic>
-        <p:nvPicPr>
-          <p:cNvPr id="6" name="图片 5"/>
-          <p:cNvPicPr>
-            <a:picLocks noChangeAspect="1"/>
-          </p:cNvPicPr>
-          <p:nvPr/>
-        </p:nvPicPr>
-        <p:blipFill>
-          <a:blip r:embed="rId2"/>
-          <a:stretch>
-            <a:fillRect/>
-          </a:stretch>
-        </p:blipFill>
-        <p:spPr>
-          <a:xfrm>
-            <a:off x="816076" y="299538"/>
-            <a:ext cx="1415848" cy="373378"/>
-          </a:xfrm>
-          <a:prstGeom prst="rect">
-            <a:avLst/>
-          </a:prstGeom>
-        </p:spPr>
-      </p:pic>
-      <p:pic>
-        <p:nvPicPr>
-          <p:cNvPr id="15" name="图片 14"/>
-          <p:cNvPicPr>
-            <a:picLocks noChangeAspect="1"/>
-          </p:cNvPicPr>
-          <p:nvPr/>
-        </p:nvPicPr>
-        <p:blipFill>
-          <a:blip r:embed="rId3"/>
-          <a:stretch>
-            <a:fillRect/>
-          </a:stretch>
-        </p:blipFill>
-        <p:spPr>
-          <a:xfrm>
-            <a:off x="0" y="-2842"/>
-            <a:ext cx="12192000" cy="979358"/>
-          </a:xfrm>
-          <a:prstGeom prst="rect">
-            <a:avLst/>
-          </a:prstGeom>
-        </p:spPr>
-      </p:pic>
-      <p:pic>
-        <p:nvPicPr>
-          <p:cNvPr id="16" name="图片 15"/>
-          <p:cNvPicPr>
-            <a:picLocks noChangeAspect="1"/>
-          </p:cNvPicPr>
-          <p:nvPr/>
-        </p:nvPicPr>
-        <p:blipFill>
-          <a:blip r:embed="rId2"/>
-          <a:stretch>
-            <a:fillRect/>
-          </a:stretch>
-        </p:blipFill>
-        <p:spPr>
-          <a:xfrm>
-            <a:off x="10235498" y="300148"/>
-            <a:ext cx="1415848" cy="373378"/>
-          </a:xfrm>
-          <a:prstGeom prst="rect">
-            <a:avLst/>
-          </a:prstGeom>
-        </p:spPr>
-      </p:pic>
-      <p:sp>
-        <p:nvSpPr>
-          <p:cNvPr id="17" name="标题 5"/>
-          <p:cNvSpPr txBox="1">
-            <a:spLocks/>
-          </p:cNvSpPr>
-          <p:nvPr/>
-        </p:nvSpPr>
-        <p:spPr>
-          <a:xfrm>
-            <a:off x="561861" y="349776"/>
-            <a:ext cx="6063523" cy="625520"/>
-          </a:xfrm>
-          <a:prstGeom prst="rect">
-            <a:avLst/>
-          </a:prstGeom>
-        </p:spPr>
-        <p:txBody>
-          <a:bodyPr/>
-          <a:lstStyle>
-            <a:lvl1pPr algn="ctr" defTabSz="1279920" rtl="0" eaLnBrk="1" latinLnBrk="0" hangingPunct="1">
-              <a:spcBef>
-                <a:spcPct val="0"/>
-              </a:spcBef>
-              <a:buNone/>
-              <a:defRPr sz="6100" kern="1200">
-                <a:solidFill>
-                  <a:schemeClr val="tx1"/>
-                </a:solidFill>
-                <a:latin typeface="+mj-lt"/>
-                <a:ea typeface="+mj-ea"/>
-                <a:cs typeface="+mj-cs"/>
-              </a:defRPr>
-            </a:lvl1pPr>
-          </a:lstStyle>
-          <a:p>
-            <a:pPr algn="l"/>
-            <a:r>
-              <a:rPr lang="zh-CN" altLang="en-US" sz="2400" dirty="0">
-                <a:solidFill>
-                  <a:schemeClr val="bg1"/>
-                </a:solidFill>
-                <a:latin typeface="vivo type CN简 Regular" panose="02000500000000000000" pitchFamily="50" charset="-122"/>
-                <a:ea typeface="vivo type CN简 Regular" panose="02000500000000000000" pitchFamily="50" charset="-122"/>
-              </a:rPr>
-              <a:t>四、原有优秀工作经验介绍</a:t>
-            </a:r>
-          </a:p>
-        </p:txBody>
-      </p:sp>
-    </p:spTree>
-    <p:extLst>
-      <p:ext uri="{BB962C8B-B14F-4D97-AF65-F5344CB8AC3E}">
-        <p14:creationId xmlns:p14="http://schemas.microsoft.com/office/powerpoint/2010/main" val="2137129939"/>
       </p:ext>
     </p:extLst>
   </p:cSld>
@@ -19565,7 +20045,7 @@
                 <a:latin typeface="vivo type CN简 Regular" panose="02000500000000000000" pitchFamily="50" charset="-122"/>
                 <a:ea typeface="vivo type CN简 Regular" panose="02000500000000000000" pitchFamily="50" charset="-122"/>
               </a:rPr>
-              <a:t>五、自我评价与规划</a:t>
+              <a:t>四、原有优秀工作经验介绍</a:t>
             </a:r>
           </a:p>
         </p:txBody>
@@ -19573,7 +20053,7 @@
     </p:spTree>
     <p:extLst>
       <p:ext uri="{BB962C8B-B14F-4D97-AF65-F5344CB8AC3E}">
-        <p14:creationId xmlns:p14="http://schemas.microsoft.com/office/powerpoint/2010/main" val="3266835942"/>
+        <p14:creationId xmlns:p14="http://schemas.microsoft.com/office/powerpoint/2010/main" val="2137129939"/>
       </p:ext>
     </p:extLst>
   </p:cSld>
@@ -19717,32 +20197,15 @@
                 <a:latin typeface="vivo type CN简 Regular" panose="02000500000000000000" pitchFamily="50" charset="-122"/>
                 <a:ea typeface="vivo type CN简 Regular" panose="02000500000000000000" pitchFamily="50" charset="-122"/>
               </a:rPr>
-              <a:t>六、</a:t>
-            </a:r>
-            <a:r>
-              <a:rPr lang="en-US" altLang="zh-CN" sz="2400" dirty="0">
-                <a:solidFill>
-                  <a:schemeClr val="bg1"/>
-                </a:solidFill>
-                <a:latin typeface="vivo type CN简 Regular" panose="02000500000000000000" pitchFamily="50" charset="-122"/>
-                <a:ea typeface="vivo type CN简 Regular" panose="02000500000000000000" pitchFamily="50" charset="-122"/>
-              </a:rPr>
-              <a:t>Q&amp;A</a:t>
-            </a:r>
-            <a:endParaRPr lang="zh-CN" altLang="en-US" sz="2400" dirty="0">
-              <a:solidFill>
-                <a:schemeClr val="bg1"/>
-              </a:solidFill>
-              <a:latin typeface="vivo type CN简 Regular" panose="02000500000000000000" pitchFamily="50" charset="-122"/>
-              <a:ea typeface="vivo type CN简 Regular" panose="02000500000000000000" pitchFamily="50" charset="-122"/>
-            </a:endParaRPr>
+              <a:t>五、自我评价与规划</a:t>
+            </a:r>
           </a:p>
         </p:txBody>
       </p:sp>
     </p:spTree>
     <p:extLst>
       <p:ext uri="{BB962C8B-B14F-4D97-AF65-F5344CB8AC3E}">
-        <p14:creationId xmlns:p14="http://schemas.microsoft.com/office/powerpoint/2010/main" val="3174357032"/>
+        <p14:creationId xmlns:p14="http://schemas.microsoft.com/office/powerpoint/2010/main" val="3266835942"/>
       </p:ext>
     </p:extLst>
   </p:cSld>
@@ -19810,7 +20273,7 @@
         <p:spPr>
           <a:xfrm>
             <a:off x="0" y="-2842"/>
-            <a:ext cx="12192000" cy="6860842"/>
+            <a:ext cx="12192000" cy="979358"/>
           </a:xfrm>
           <a:prstGeom prst="rect">
             <a:avLst/>
@@ -19843,51 +20306,67 @@
       </p:pic>
       <p:sp>
         <p:nvSpPr>
-          <p:cNvPr id="2" name="文本框 1"/>
-          <p:cNvSpPr txBox="1"/>
+          <p:cNvPr id="17" name="标题 5"/>
+          <p:cNvSpPr txBox="1">
+            <a:spLocks/>
+          </p:cNvSpPr>
           <p:nvPr/>
         </p:nvSpPr>
         <p:spPr>
           <a:xfrm>
-            <a:off x="816076" y="572877"/>
-            <a:ext cx="7160136" cy="3631763"/>
+            <a:off x="561861" y="349776"/>
+            <a:ext cx="6063523" cy="625520"/>
           </a:xfrm>
           <a:prstGeom prst="rect">
             <a:avLst/>
           </a:prstGeom>
-          <a:noFill/>
         </p:spPr>
         <p:txBody>
-          <a:bodyPr wrap="square" rtlCol="0">
-            <a:spAutoFit/>
-          </a:bodyPr>
-          <a:lstStyle/>
-          <a:p>
-            <a:r>
-              <a:rPr lang="en-US" altLang="zh-CN" sz="11500" dirty="0">
+          <a:bodyPr/>
+          <a:lstStyle>
+            <a:lvl1pPr algn="ctr" defTabSz="1279920" rtl="0" eaLnBrk="1" latinLnBrk="0" hangingPunct="1">
+              <a:spcBef>
+                <a:spcPct val="0"/>
+              </a:spcBef>
+              <a:buNone/>
+              <a:defRPr sz="6100" kern="1200">
+                <a:solidFill>
+                  <a:schemeClr val="tx1"/>
+                </a:solidFill>
+                <a:latin typeface="+mj-lt"/>
+                <a:ea typeface="+mj-ea"/>
+                <a:cs typeface="+mj-cs"/>
+              </a:defRPr>
+            </a:lvl1pPr>
+          </a:lstStyle>
+          <a:p>
+            <a:pPr algn="l"/>
+            <a:r>
+              <a:rPr lang="zh-CN" altLang="en-US" sz="2400" dirty="0">
                 <a:solidFill>
                   <a:schemeClr val="bg1"/>
                 </a:solidFill>
-                <a:latin typeface="vivo Bold" panose="00000800000000000000" pitchFamily="2" charset="0"/>
+                <a:latin typeface="vivo type CN简 Regular" panose="02000500000000000000" pitchFamily="50" charset="-122"/>
+                <a:ea typeface="vivo type CN简 Regular" panose="02000500000000000000" pitchFamily="50" charset="-122"/>
               </a:rPr>
-              <a:t>THANK</a:t>
-            </a:r>
-          </a:p>
-          <a:p>
-            <a:r>
-              <a:rPr lang="en-US" altLang="zh-CN" sz="11500" dirty="0">
+              <a:t>六、</a:t>
+            </a:r>
+            <a:r>
+              <a:rPr lang="en-US" altLang="zh-CN" sz="2400" dirty="0">
                 <a:solidFill>
                   <a:schemeClr val="bg1"/>
                 </a:solidFill>
-                <a:latin typeface="vivo Bold" panose="00000800000000000000" pitchFamily="2" charset="0"/>
+                <a:latin typeface="vivo type CN简 Regular" panose="02000500000000000000" pitchFamily="50" charset="-122"/>
+                <a:ea typeface="vivo type CN简 Regular" panose="02000500000000000000" pitchFamily="50" charset="-122"/>
               </a:rPr>
-              <a:t>YOU</a:t>
-            </a:r>
-            <a:endParaRPr lang="zh-CN" altLang="en-US" sz="11500" dirty="0">
+              <a:t>Q&amp;A</a:t>
+            </a:r>
+            <a:endParaRPr lang="zh-CN" altLang="en-US" sz="2400" dirty="0">
               <a:solidFill>
                 <a:schemeClr val="bg1"/>
               </a:solidFill>
-              <a:latin typeface="vivo Bold" panose="00000800000000000000" pitchFamily="2" charset="0"/>
+              <a:latin typeface="vivo type CN简 Regular" panose="02000500000000000000" pitchFamily="50" charset="-122"/>
+              <a:ea typeface="vivo type CN简 Regular" panose="02000500000000000000" pitchFamily="50" charset="-122"/>
             </a:endParaRPr>
           </a:p>
         </p:txBody>
@@ -19895,7 +20374,7 @@
     </p:spTree>
     <p:extLst>
       <p:ext uri="{BB962C8B-B14F-4D97-AF65-F5344CB8AC3E}">
-        <p14:creationId xmlns:p14="http://schemas.microsoft.com/office/powerpoint/2010/main" val="3678893227"/>
+        <p14:creationId xmlns:p14="http://schemas.microsoft.com/office/powerpoint/2010/main" val="3174357032"/>
       </p:ext>
     </p:extLst>
   </p:cSld>
@@ -20785,6 +21264,159 @@
     <p:extLst>
       <p:ext uri="{BB962C8B-B14F-4D97-AF65-F5344CB8AC3E}">
         <p14:creationId xmlns:p14="http://schemas.microsoft.com/office/powerpoint/2010/main" val="2634231042"/>
+      </p:ext>
+    </p:extLst>
+  </p:cSld>
+  <p:clrMapOvr>
+    <a:masterClrMapping/>
+  </p:clrMapOvr>
+</p:sld>
+</file>
+
+<file path=ppt/slides/slide20.xml><?xml version="1.0" encoding="utf-8"?>
+<p:sld xmlns:a="http://schemas.openxmlformats.org/drawingml/2006/main" xmlns:r="http://schemas.openxmlformats.org/officeDocument/2006/relationships" xmlns:p="http://schemas.openxmlformats.org/presentationml/2006/main">
+  <p:cSld>
+    <p:spTree>
+      <p:nvGrpSpPr>
+        <p:cNvPr id="1" name=""/>
+        <p:cNvGrpSpPr/>
+        <p:nvPr/>
+      </p:nvGrpSpPr>
+      <p:grpSpPr>
+        <a:xfrm>
+          <a:off x="0" y="0"/>
+          <a:ext cx="0" cy="0"/>
+          <a:chOff x="0" y="0"/>
+          <a:chExt cx="0" cy="0"/>
+        </a:xfrm>
+      </p:grpSpPr>
+      <p:pic>
+        <p:nvPicPr>
+          <p:cNvPr id="6" name="图片 5"/>
+          <p:cNvPicPr>
+            <a:picLocks noChangeAspect="1"/>
+          </p:cNvPicPr>
+          <p:nvPr/>
+        </p:nvPicPr>
+        <p:blipFill>
+          <a:blip r:embed="rId2"/>
+          <a:stretch>
+            <a:fillRect/>
+          </a:stretch>
+        </p:blipFill>
+        <p:spPr>
+          <a:xfrm>
+            <a:off x="816076" y="299538"/>
+            <a:ext cx="1415848" cy="373378"/>
+          </a:xfrm>
+          <a:prstGeom prst="rect">
+            <a:avLst/>
+          </a:prstGeom>
+        </p:spPr>
+      </p:pic>
+      <p:pic>
+        <p:nvPicPr>
+          <p:cNvPr id="15" name="图片 14"/>
+          <p:cNvPicPr>
+            <a:picLocks noChangeAspect="1"/>
+          </p:cNvPicPr>
+          <p:nvPr/>
+        </p:nvPicPr>
+        <p:blipFill>
+          <a:blip r:embed="rId3"/>
+          <a:stretch>
+            <a:fillRect/>
+          </a:stretch>
+        </p:blipFill>
+        <p:spPr>
+          <a:xfrm>
+            <a:off x="0" y="-2842"/>
+            <a:ext cx="12192000" cy="6860842"/>
+          </a:xfrm>
+          <a:prstGeom prst="rect">
+            <a:avLst/>
+          </a:prstGeom>
+        </p:spPr>
+      </p:pic>
+      <p:pic>
+        <p:nvPicPr>
+          <p:cNvPr id="16" name="图片 15"/>
+          <p:cNvPicPr>
+            <a:picLocks noChangeAspect="1"/>
+          </p:cNvPicPr>
+          <p:nvPr/>
+        </p:nvPicPr>
+        <p:blipFill>
+          <a:blip r:embed="rId2"/>
+          <a:stretch>
+            <a:fillRect/>
+          </a:stretch>
+        </p:blipFill>
+        <p:spPr>
+          <a:xfrm>
+            <a:off x="10235498" y="300148"/>
+            <a:ext cx="1415848" cy="373378"/>
+          </a:xfrm>
+          <a:prstGeom prst="rect">
+            <a:avLst/>
+          </a:prstGeom>
+        </p:spPr>
+      </p:pic>
+      <p:sp>
+        <p:nvSpPr>
+          <p:cNvPr id="2" name="文本框 1"/>
+          <p:cNvSpPr txBox="1"/>
+          <p:nvPr/>
+        </p:nvSpPr>
+        <p:spPr>
+          <a:xfrm>
+            <a:off x="816076" y="572877"/>
+            <a:ext cx="7160136" cy="3631763"/>
+          </a:xfrm>
+          <a:prstGeom prst="rect">
+            <a:avLst/>
+          </a:prstGeom>
+          <a:noFill/>
+        </p:spPr>
+        <p:txBody>
+          <a:bodyPr wrap="square" rtlCol="0">
+            <a:spAutoFit/>
+          </a:bodyPr>
+          <a:lstStyle/>
+          <a:p>
+            <a:r>
+              <a:rPr lang="en-US" altLang="zh-CN" sz="11500" dirty="0">
+                <a:solidFill>
+                  <a:schemeClr val="bg1"/>
+                </a:solidFill>
+                <a:latin typeface="vivo Bold" panose="00000800000000000000" pitchFamily="2" charset="0"/>
+              </a:rPr>
+              <a:t>THANK</a:t>
+            </a:r>
+          </a:p>
+          <a:p>
+            <a:r>
+              <a:rPr lang="en-US" altLang="zh-CN" sz="11500" dirty="0">
+                <a:solidFill>
+                  <a:schemeClr val="bg1"/>
+                </a:solidFill>
+                <a:latin typeface="vivo Bold" panose="00000800000000000000" pitchFamily="2" charset="0"/>
+              </a:rPr>
+              <a:t>YOU</a:t>
+            </a:r>
+            <a:endParaRPr lang="zh-CN" altLang="en-US" sz="11500" dirty="0">
+              <a:solidFill>
+                <a:schemeClr val="bg1"/>
+              </a:solidFill>
+              <a:latin typeface="vivo Bold" panose="00000800000000000000" pitchFamily="2" charset="0"/>
+            </a:endParaRPr>
+          </a:p>
+        </p:txBody>
+      </p:sp>
+    </p:spTree>
+    <p:extLst>
+      <p:ext uri="{BB962C8B-B14F-4D97-AF65-F5344CB8AC3E}">
+        <p14:creationId xmlns:p14="http://schemas.microsoft.com/office/powerpoint/2010/main" val="3678893227"/>
       </p:ext>
     </p:extLst>
   </p:cSld>
@@ -22903,7 +23535,7 @@
         </p:nvSpPr>
         <p:spPr>
           <a:xfrm>
-            <a:off x="1371688" y="1989789"/>
+            <a:off x="1029861" y="1999858"/>
             <a:ext cx="4262493" cy="923330"/>
           </a:xfrm>
           <a:prstGeom prst="rect">
@@ -23009,7 +23641,7 @@
         </p:nvSpPr>
         <p:spPr>
           <a:xfrm>
-            <a:off x="6172802" y="1989789"/>
+            <a:off x="6096000" y="1793481"/>
             <a:ext cx="3777672" cy="923330"/>
           </a:xfrm>
           <a:prstGeom prst="rect">
@@ -23086,6 +23718,182 @@
           </a:prstGeom>
         </p:spPr>
       </p:pic>
+      <p:sp>
+        <p:nvSpPr>
+          <p:cNvPr id="4" name="文本框 3">
+            <a:extLst>
+              <a:ext uri="{FF2B5EF4-FFF2-40B4-BE49-F238E27FC236}">
+                <a16:creationId xmlns:a16="http://schemas.microsoft.com/office/drawing/2014/main" id="{087EA714-3855-4169-84C1-ED086018829B}"/>
+              </a:ext>
+            </a:extLst>
+          </p:cNvPr>
+          <p:cNvSpPr txBox="1"/>
+          <p:nvPr/>
+        </p:nvSpPr>
+        <p:spPr>
+          <a:xfrm>
+            <a:off x="721913" y="3197628"/>
+            <a:ext cx="5291091" cy="1754326"/>
+          </a:xfrm>
+          <a:prstGeom prst="rect">
+            <a:avLst/>
+          </a:prstGeom>
+          <a:noFill/>
+        </p:spPr>
+        <p:txBody>
+          <a:bodyPr wrap="square" rtlCol="0">
+            <a:spAutoFit/>
+          </a:bodyPr>
+          <a:lstStyle/>
+          <a:p>
+            <a:r>
+              <a:rPr lang="zh-CN" altLang="en-US" dirty="0"/>
+              <a:t>规划：</a:t>
+            </a:r>
+            <a:endParaRPr lang="en-US" altLang="zh-CN" dirty="0"/>
+          </a:p>
+          <a:p>
+            <a:pPr marL="342900" indent="-342900">
+              <a:buAutoNum type="arabicPeriod"/>
+            </a:pPr>
+            <a:r>
+              <a:rPr lang="zh-CN" altLang="en-US" dirty="0"/>
+              <a:t>持续参与项目迭代优化，应对新版流水线推广过程中各需求场景的项目能力建设；</a:t>
+            </a:r>
+            <a:endParaRPr lang="en-US" altLang="zh-CN" dirty="0"/>
+          </a:p>
+          <a:p>
+            <a:pPr marL="342900" indent="-342900">
+              <a:buAutoNum type="arabicPeriod"/>
+            </a:pPr>
+            <a:r>
+              <a:rPr lang="zh-CN" altLang="en-US" dirty="0"/>
+              <a:t>旧版流水线有关功能迭代</a:t>
+            </a:r>
+            <a:endParaRPr lang="en-US" altLang="zh-CN" dirty="0"/>
+          </a:p>
+          <a:p>
+            <a:pPr marL="342900" indent="-342900">
+              <a:buAutoNum type="arabicPeriod"/>
+            </a:pPr>
+            <a:r>
+              <a:rPr lang="zh-CN" altLang="en-US" dirty="0"/>
+              <a:t>针对已知问题（</a:t>
+            </a:r>
+            <a:r>
+              <a:rPr lang="en-US" altLang="zh-CN" dirty="0"/>
+              <a:t>what</a:t>
+            </a:r>
+            <a:r>
+              <a:rPr lang="zh-CN" altLang="en-US" dirty="0"/>
+              <a:t>？？）、规划（具体前期列出，是什么？待确认），修复和实现</a:t>
+            </a:r>
+          </a:p>
+        </p:txBody>
+      </p:sp>
+      <p:sp>
+        <p:nvSpPr>
+          <p:cNvPr id="5" name="文本框 4">
+            <a:extLst>
+              <a:ext uri="{FF2B5EF4-FFF2-40B4-BE49-F238E27FC236}">
+                <a16:creationId xmlns:a16="http://schemas.microsoft.com/office/drawing/2014/main" id="{B09FA350-C328-4133-8918-3142F7A72DB1}"/>
+              </a:ext>
+            </a:extLst>
+          </p:cNvPr>
+          <p:cNvSpPr txBox="1"/>
+          <p:nvPr/>
+        </p:nvSpPr>
+        <p:spPr>
+          <a:xfrm>
+            <a:off x="6096000" y="2923188"/>
+            <a:ext cx="5473762" cy="3693319"/>
+          </a:xfrm>
+          <a:prstGeom prst="rect">
+            <a:avLst/>
+          </a:prstGeom>
+          <a:noFill/>
+        </p:spPr>
+        <p:txBody>
+          <a:bodyPr wrap="square" rtlCol="0">
+            <a:spAutoFit/>
+          </a:bodyPr>
+          <a:lstStyle/>
+          <a:p>
+            <a:r>
+              <a:rPr lang="zh-CN" altLang="en-US" dirty="0"/>
+              <a:t>想法：</a:t>
+            </a:r>
+            <a:endParaRPr lang="en-US" altLang="zh-CN" dirty="0"/>
+          </a:p>
+          <a:p>
+            <a:pPr marL="342900" indent="-342900">
+              <a:buAutoNum type="arabicPeriod"/>
+            </a:pPr>
+            <a:r>
+              <a:rPr lang="zh-CN" altLang="en-US" dirty="0"/>
+              <a:t>新版流水线，任务组设计不明确，可优化；</a:t>
+            </a:r>
+            <a:endParaRPr lang="en-US" altLang="zh-CN" dirty="0"/>
+          </a:p>
+          <a:p>
+            <a:pPr marL="342900" indent="-342900">
+              <a:buAutoNum type="arabicPeriod"/>
+            </a:pPr>
+            <a:r>
+              <a:rPr lang="zh-CN" altLang="en-US" dirty="0"/>
+              <a:t>需求实现过程中发现，部分卡片在自定义模块中的设计不够严谨（比如选择机器、分线上线下等情况，模板里面不该选择）</a:t>
+            </a:r>
+            <a:endParaRPr lang="en-US" altLang="zh-CN" dirty="0"/>
+          </a:p>
+          <a:p>
+            <a:pPr marL="342900" indent="-342900">
+              <a:buAutoNum type="arabicPeriod"/>
+            </a:pPr>
+            <a:r>
+              <a:rPr lang="zh-CN" altLang="en-US" dirty="0"/>
+              <a:t>前端：解决表单必填项校验的问题，通过配置可深层探到各表单的校验项，做到统一去除。但存在部分问题未解决，应该形成通用的方法</a:t>
+            </a:r>
+            <a:r>
+              <a:rPr lang="en-US" altLang="zh-CN" dirty="0"/>
+              <a:t>/</a:t>
+            </a:r>
+            <a:r>
+              <a:rPr lang="zh-CN" altLang="en-US" dirty="0"/>
+              <a:t>模块输出</a:t>
+            </a:r>
+            <a:endParaRPr lang="en-US" altLang="zh-CN" dirty="0"/>
+          </a:p>
+          <a:p>
+            <a:pPr marL="342900" indent="-342900">
+              <a:buAutoNum type="arabicPeriod"/>
+            </a:pPr>
+            <a:r>
+              <a:rPr lang="zh-CN" altLang="en-US" dirty="0"/>
+              <a:t>旧版流水线过程中，发现的</a:t>
+            </a:r>
+            <a:r>
+              <a:rPr lang="en-US" altLang="zh-CN" dirty="0"/>
+              <a:t>element-</a:t>
+            </a:r>
+            <a:r>
+              <a:rPr lang="en-US" altLang="zh-CN" dirty="0" err="1"/>
+              <a:t>ui</a:t>
+            </a:r>
+            <a:r>
+              <a:rPr lang="zh-CN" altLang="en-US" dirty="0"/>
+              <a:t>穿梭框不能够适应多种场景，无法满足本项目的需求，优化待完成，应当尽快完成，输出模块，并入在</a:t>
+            </a:r>
+            <a:r>
+              <a:rPr lang="en-US" altLang="zh-CN" dirty="0"/>
+              <a:t>pass</a:t>
+            </a:r>
+            <a:r>
+              <a:rPr lang="zh-CN" altLang="en-US" dirty="0"/>
+              <a:t>组件库中进行使用。</a:t>
+            </a:r>
+          </a:p>
+        </p:txBody>
+      </p:sp>
     </p:spTree>
     <p:extLst>
       <p:ext uri="{BB962C8B-B14F-4D97-AF65-F5344CB8AC3E}">
